--- a/notes/17-unsupervised-learning.pptx
+++ b/notes/17-unsupervised-learning.pptx
@@ -9896,10 +9896,6 @@
               <a:rPr lang="en-US" dirty="0" err="1"/>
               <a:t>plt</a:t>
             </a:r>
-            <a:r>
-              <a:rPr lang="en-US" dirty="0"/>
-              <a:t/>
-            </a:r>
             <a:br>
               <a:rPr lang="en-US" dirty="0"/>
             </a:br>
@@ -9918,10 +9914,6 @@
             <a:r>
               <a:rPr lang="en-US" dirty="0" err="1"/>
               <a:t>KMeans</a:t>
-            </a:r>
-            <a:r>
-              <a:rPr lang="en-US" dirty="0"/>
-              <a:t/>
             </a:r>
             <a:br>
               <a:rPr lang="en-US" dirty="0"/>
@@ -10842,10 +10834,6 @@
               <a:rPr lang="en-US" dirty="0" err="1"/>
               <a:t>make_moons</a:t>
             </a:r>
-            <a:r>
-              <a:rPr lang="en-US" dirty="0"/>
-              <a:t/>
-            </a:r>
             <a:br>
               <a:rPr lang="en-US" dirty="0"/>
             </a:br>
@@ -11583,10 +11571,6 @@
             <a:br>
               <a:rPr lang="en-US" sz="1800"/>
             </a:br>
-            <a:r>
-              <a:rPr lang="en-US"/>
-              <a:t/>
-            </a:r>
             <a:br>
               <a:rPr lang="en-US"/>
             </a:br>
@@ -12386,10 +12370,6 @@
                 </a:solidFill>
               </a:rPr>
               <a:t>data.reshape(427 * 640, 3)</a:t>
-            </a:r>
-            <a:r>
-              <a:rPr lang="en-US" sz="1200"/>
-              <a:t/>
             </a:r>
             <a:br>
               <a:rPr lang="en-US" sz="1200"/>
@@ -12962,210 +12942,121 @@
         </p:spPr>
         <p:txBody>
           <a:bodyPr spcFirstLastPara="1" wrap="square" lIns="91425" tIns="91425" rIns="91425" bIns="91425" anchor="t" anchorCtr="0">
-            <a:normAutofit fontScale="92500" lnSpcReduction="10000"/>
+            <a:normAutofit/>
           </a:bodyPr>
           <a:lstStyle/>
           <a:p>
             <a:pPr marL="0" indent="0">
+              <a:spcBef>
+                <a:spcPts val="1600"/>
+              </a:spcBef>
               <a:buNone/>
             </a:pPr>
             <a:r>
+              <a:rPr lang="en-US" dirty="0"/>
+              <a:t>The </a:t>
+            </a:r>
+            <a:r>
               <a:rPr lang="en" dirty="0"/>
-              <a:t>Final project proposals are due on </a:t>
-            </a:r>
-            <a:r>
-              <a:rPr lang="en-US" dirty="0" smtClean="0"/>
-              <a:t>Monday </a:t>
-            </a:r>
-            <a:r>
-              <a:rPr lang="en" dirty="0" smtClean="0"/>
-              <a:t>4/</a:t>
-            </a:r>
-            <a:r>
-              <a:rPr lang="en-US" dirty="0" smtClean="0"/>
-              <a:t>15</a:t>
+              <a:t>final project could be a (team) app (</a:t>
+            </a:r>
+            <a:r>
+              <a:rPr lang="en-US" dirty="0"/>
+              <a:t>e.g. </a:t>
+            </a:r>
+            <a:r>
+              <a:rPr lang="en" dirty="0"/>
+              <a:t>Python script that implements some non-trivial functionality with/without visualization</a:t>
+            </a:r>
+            <a:r>
+              <a:rPr lang="en-US" dirty="0"/>
+              <a:t> or an app built on your favorite platform</a:t>
+            </a:r>
+            <a:r>
+              <a:rPr lang="en" dirty="0"/>
+              <a:t>) or it can be an individual analysis project.  </a:t>
+            </a:r>
+            <a:endParaRPr dirty="0"/>
+          </a:p>
+          <a:p>
+            <a:pPr marL="0" indent="0">
+              <a:spcBef>
+                <a:spcPts val="1600"/>
+              </a:spcBef>
+              <a:spcAft>
+                <a:spcPts val="1600"/>
+              </a:spcAft>
+              <a:buNone/>
+            </a:pPr>
+            <a:r>
+              <a:rPr lang="en" dirty="0"/>
+              <a:t>However, whether app or analysis you</a:t>
+            </a:r>
+            <a:r>
+              <a:rPr lang="en-US" dirty="0"/>
+              <a:t>r</a:t>
+            </a:r>
+            <a:r>
+              <a:rPr lang="en" dirty="0"/>
+              <a:t> final project has to include some modeling aspect</a:t>
             </a:r>
             <a:r>
               <a:rPr lang="en-US" dirty="0"/>
               <a:t> </a:t>
             </a:r>
             <a:r>
-              <a:rPr lang="en-US" dirty="0" smtClean="0"/>
-              <a:t>in Sakai</a:t>
-            </a:r>
-            <a:r>
-              <a:rPr lang="en" dirty="0" smtClean="0"/>
-              <a:t> </a:t>
-            </a:r>
-            <a:endParaRPr dirty="0"/>
+              <a:rPr lang="mr-IN" dirty="0"/>
+              <a:t>–</a:t>
+            </a:r>
+            <a:r>
+              <a:rPr lang="en-US" dirty="0"/>
+              <a:t> classification, regression or clustering</a:t>
+            </a:r>
           </a:p>
           <a:p>
             <a:pPr marL="0" indent="0">
-              <a:spcBef>
+              <a:spcAft>
                 <a:spcPts val="1600"/>
-              </a:spcBef>
+              </a:spcAft>
               <a:buNone/>
             </a:pPr>
             <a:r>
-              <a:rPr lang="en-US" dirty="0" smtClean="0"/>
-              <a:t>The </a:t>
-            </a:r>
-            <a:r>
-              <a:rPr lang="en" dirty="0" smtClean="0"/>
-              <a:t>final </a:t>
-            </a:r>
-            <a:r>
-              <a:rPr lang="en" dirty="0"/>
-              <a:t>project could be a (team) app </a:t>
-            </a:r>
-            <a:r>
-              <a:rPr lang="en" dirty="0" smtClean="0"/>
-              <a:t>(</a:t>
-            </a:r>
-            <a:r>
-              <a:rPr lang="en-US" dirty="0" smtClean="0"/>
-              <a:t>e.g. </a:t>
-            </a:r>
-            <a:r>
-              <a:rPr lang="en" dirty="0" smtClean="0"/>
-              <a:t>Python </a:t>
-            </a:r>
-            <a:r>
-              <a:rPr lang="en" dirty="0"/>
-              <a:t>script that implements some non-trivial functionality with/without </a:t>
-            </a:r>
-            <a:r>
-              <a:rPr lang="en" dirty="0" smtClean="0"/>
-              <a:t>visualization</a:t>
-            </a:r>
-            <a:r>
-              <a:rPr lang="en-US" dirty="0" smtClean="0"/>
-              <a:t> or an app built on your favorite platform</a:t>
-            </a:r>
-            <a:r>
-              <a:rPr lang="en" dirty="0" smtClean="0"/>
-              <a:t>) </a:t>
-            </a:r>
-            <a:r>
-              <a:rPr lang="en" dirty="0"/>
-              <a:t>or it can be an individual analysis project.  </a:t>
-            </a:r>
-            <a:endParaRPr dirty="0"/>
-          </a:p>
-          <a:p>
-            <a:pPr marL="0" indent="0">
-              <a:spcBef>
-                <a:spcPts val="1600"/>
-              </a:spcBef>
-              <a:spcAft>
-                <a:spcPts val="1600"/>
-              </a:spcAft>
-              <a:buNone/>
-            </a:pPr>
-            <a:r>
-              <a:rPr lang="en" dirty="0"/>
-              <a:t>However, whether app or analysis </a:t>
-            </a:r>
-            <a:r>
-              <a:rPr lang="en" dirty="0" smtClean="0"/>
-              <a:t>you</a:t>
-            </a:r>
-            <a:r>
-              <a:rPr lang="en-US" dirty="0" smtClean="0"/>
-              <a:t>r</a:t>
-            </a:r>
-            <a:r>
-              <a:rPr lang="en" dirty="0" smtClean="0"/>
-              <a:t> </a:t>
-            </a:r>
-            <a:r>
-              <a:rPr lang="en" dirty="0"/>
-              <a:t>final project has to include some modeling </a:t>
-            </a:r>
-            <a:r>
-              <a:rPr lang="en" dirty="0" smtClean="0"/>
-              <a:t>aspect</a:t>
-            </a:r>
-            <a:r>
-              <a:rPr lang="en-US" dirty="0" smtClean="0"/>
-              <a:t> </a:t>
-            </a:r>
-            <a:r>
-              <a:rPr lang="mr-IN" dirty="0" smtClean="0"/>
-              <a:t>–</a:t>
-            </a:r>
-            <a:r>
-              <a:rPr lang="en-US" dirty="0" smtClean="0"/>
-              <a:t> </a:t>
-            </a:r>
-            <a:r>
-              <a:rPr lang="en-US" dirty="0" smtClean="0"/>
-              <a:t>classification, regression </a:t>
-            </a:r>
-            <a:r>
-              <a:rPr lang="en-US" dirty="0" smtClean="0"/>
-              <a:t>or </a:t>
-            </a:r>
-            <a:r>
-              <a:rPr lang="en-US" dirty="0" smtClean="0"/>
-              <a:t>clustering</a:t>
-            </a:r>
-          </a:p>
-          <a:p>
-            <a:pPr marL="0" indent="0">
-              <a:spcBef>
-                <a:spcPts val="1600"/>
-              </a:spcBef>
-              <a:spcAft>
-                <a:spcPts val="1600"/>
-              </a:spcAft>
-              <a:buNone/>
-            </a:pPr>
-            <a:r>
-              <a:rPr lang="en-US" dirty="0" smtClean="0"/>
-              <a:t>1 to 2 page project summary:</a:t>
-            </a:r>
-            <a:r>
               <a:rPr lang="en-US" dirty="0"/>
-              <a:t/>
+              <a:t>1 to 2 page project summary with the following sections:</a:t>
             </a:r>
             <a:br>
               <a:rPr lang="en-US" dirty="0"/>
             </a:br>
             <a:r>
-              <a:rPr lang="en-US" dirty="0" smtClean="0"/>
+              <a:rPr lang="en-US" dirty="0"/>
               <a:t>* Introduction</a:t>
-            </a:r>
-            <a:r>
-              <a:rPr lang="en-US" dirty="0"/>
-              <a:t/>
             </a:r>
             <a:br>
               <a:rPr lang="en-US" dirty="0"/>
             </a:br>
             <a:r>
-              <a:rPr lang="en-US" dirty="0" smtClean="0"/>
+              <a:rPr lang="en-US" dirty="0"/>
               <a:t>* Architecture/data used</a:t>
             </a:r>
             <a:br>
-              <a:rPr lang="en-US" dirty="0" smtClean="0"/>
+              <a:rPr lang="en-US" dirty="0"/>
             </a:br>
             <a:r>
-              <a:rPr lang="en-US" dirty="0" smtClean="0"/>
+              <a:rPr lang="en-US" dirty="0"/>
               <a:t>* Technology used</a:t>
             </a:r>
             <a:br>
-              <a:rPr lang="en-US" dirty="0" smtClean="0"/>
+              <a:rPr lang="en-US" dirty="0"/>
             </a:br>
             <a:r>
-              <a:rPr lang="en-US" dirty="0" smtClean="0"/>
+              <a:rPr lang="en-US" dirty="0"/>
               <a:t>* Milestone schedule</a:t>
             </a:r>
             <a:br>
-              <a:rPr lang="en-US" dirty="0" smtClean="0"/>
+              <a:rPr lang="en-US" dirty="0"/>
             </a:br>
             <a:r>
-              <a:rPr lang="en-US" dirty="0" smtClean="0"/>
+              <a:rPr lang="en-US" dirty="0"/>
               <a:t>* Team members and responsibilities (if applicable, max 3 members)</a:t>
             </a:r>
           </a:p>
@@ -13965,17 +13856,16 @@
           <a:lstStyle/>
           <a:p>
             <a:r>
-              <a:rPr lang="en-US" dirty="0" smtClean="0"/>
+              <a:rPr lang="en-US" dirty="0"/>
               <a:t>Note: code for the slides is in</a:t>
             </a:r>
             <a:br>
-              <a:rPr lang="en-US" dirty="0" smtClean="0"/>
+              <a:rPr lang="en-US" dirty="0"/>
             </a:br>
             <a:r>
-              <a:rPr lang="en-US" dirty="0" smtClean="0"/>
+              <a:rPr lang="en-US" dirty="0"/>
               <a:t>notebook 17a.</a:t>
             </a:r>
-            <a:endParaRPr lang="en-US" dirty="0"/>
           </a:p>
         </p:txBody>
       </p:sp>
@@ -15071,10 +14961,9 @@
           <a:lstStyle/>
           <a:p>
             <a:r>
-              <a:rPr lang="en-US" dirty="0" smtClean="0"/>
+              <a:rPr lang="en-US" dirty="0"/>
               <a:t>Visualizing the k-Means Algorithm</a:t>
             </a:r>
-            <a:endParaRPr lang="en-US" dirty="0"/>
           </a:p>
         </p:txBody>
       </p:sp>
@@ -15456,18 +15345,6 @@
             <a:r>
               <a:rPr lang="en-US" sz="2400"/>
               <a:t>Only considers convex cluster boundaries</a:t>
-            </a:r>
-            <a:r>
-              <a:rPr lang="en-US" sz="2400" b="0" i="1" u="none" strike="noStrike" cap="none">
-                <a:solidFill>
-                  <a:schemeClr val="dk2"/>
-                </a:solidFill>
-                <a:latin typeface="Arial"/>
-                <a:ea typeface="Arial"/>
-                <a:cs typeface="Arial"/>
-                <a:sym typeface="Arial"/>
-              </a:rPr>
-              <a:t/>
             </a:r>
             <a:br>
               <a:rPr lang="en-US" sz="2400" b="0" i="1" u="none" strike="noStrike" cap="none">

--- a/notes/17-unsupervised-learning.pptx
+++ b/notes/17-unsupervised-learning.pptx
@@ -5,29 +5,28 @@
     <p:sldMasterId id="2147483660" r:id="rId1"/>
   </p:sldMasterIdLst>
   <p:notesMasterIdLst>
-    <p:notesMasterId r:id="rId22"/>
+    <p:notesMasterId r:id="rId21"/>
   </p:notesMasterIdLst>
   <p:sldIdLst>
     <p:sldId id="256" r:id="rId2"/>
     <p:sldId id="257" r:id="rId3"/>
     <p:sldId id="258" r:id="rId4"/>
     <p:sldId id="259" r:id="rId5"/>
-    <p:sldId id="260" r:id="rId6"/>
-    <p:sldId id="261" r:id="rId7"/>
-    <p:sldId id="262" r:id="rId8"/>
-    <p:sldId id="275" r:id="rId9"/>
-    <p:sldId id="264" r:id="rId10"/>
-    <p:sldId id="265" r:id="rId11"/>
-    <p:sldId id="266" r:id="rId12"/>
-    <p:sldId id="267" r:id="rId13"/>
-    <p:sldId id="268" r:id="rId14"/>
-    <p:sldId id="269" r:id="rId15"/>
-    <p:sldId id="270" r:id="rId16"/>
-    <p:sldId id="271" r:id="rId17"/>
-    <p:sldId id="272" r:id="rId18"/>
-    <p:sldId id="273" r:id="rId19"/>
-    <p:sldId id="274" r:id="rId20"/>
-    <p:sldId id="277" r:id="rId21"/>
+    <p:sldId id="261" r:id="rId6"/>
+    <p:sldId id="262" r:id="rId7"/>
+    <p:sldId id="275" r:id="rId8"/>
+    <p:sldId id="264" r:id="rId9"/>
+    <p:sldId id="265" r:id="rId10"/>
+    <p:sldId id="266" r:id="rId11"/>
+    <p:sldId id="267" r:id="rId12"/>
+    <p:sldId id="268" r:id="rId13"/>
+    <p:sldId id="269" r:id="rId14"/>
+    <p:sldId id="270" r:id="rId15"/>
+    <p:sldId id="271" r:id="rId16"/>
+    <p:sldId id="272" r:id="rId17"/>
+    <p:sldId id="273" r:id="rId18"/>
+    <p:sldId id="274" r:id="rId19"/>
+    <p:sldId id="277" r:id="rId20"/>
   </p:sldIdLst>
   <p:sldSz cx="9144000" cy="6858000" type="screen4x3"/>
   <p:notesSz cx="6858000" cy="9144000"/>
@@ -1572,7 +1571,7 @@
   <p:cSld>
     <p:spTree>
       <p:nvGrpSpPr>
-        <p:cNvPr id="1" name="Shape 129"/>
+        <p:cNvPr id="1" name="Shape 139"/>
         <p:cNvGrpSpPr/>
         <p:nvPr/>
       </p:nvGrpSpPr>
@@ -1586,7 +1585,7 @@
       </p:grpSpPr>
       <p:sp>
         <p:nvSpPr>
-          <p:cNvPr id="130" name="Shape 130"/>
+          <p:cNvPr id="140" name="Shape 140"/>
           <p:cNvSpPr>
             <a:spLocks noGrp="1" noRot="1" noChangeAspect="1"/>
           </p:cNvSpPr>
@@ -1627,156 +1626,6 @@
       </p:sp>
       <p:sp>
         <p:nvSpPr>
-          <p:cNvPr id="131" name="Shape 131"/>
-          <p:cNvSpPr txBox="1">
-            <a:spLocks noGrp="1"/>
-          </p:cNvSpPr>
-          <p:nvPr>
-            <p:ph type="body" idx="1"/>
-          </p:nvPr>
-        </p:nvSpPr>
-        <p:spPr>
-          <a:xfrm>
-            <a:off x="914400" y="4343400"/>
-            <a:ext cx="5029200" cy="4114800"/>
-          </a:xfrm>
-          <a:prstGeom prst="rect">
-            <a:avLst/>
-          </a:prstGeom>
-        </p:spPr>
-        <p:txBody>
-          <a:bodyPr spcFirstLastPara="1" wrap="square" lIns="91425" tIns="91425" rIns="91425" bIns="91425" anchor="t" anchorCtr="0">
-            <a:noAutofit/>
-          </a:bodyPr>
-          <a:lstStyle/>
-          <a:p>
-            <a:pPr marL="0" lvl="0" indent="0">
-              <a:spcBef>
-                <a:spcPts val="0"/>
-              </a:spcBef>
-              <a:spcAft>
-                <a:spcPts val="0"/>
-              </a:spcAft>
-              <a:buNone/>
-            </a:pPr>
-            <a:endParaRPr/>
-          </a:p>
-        </p:txBody>
-      </p:sp>
-      <p:sp>
-        <p:nvSpPr>
-          <p:cNvPr id="132" name="Shape 132"/>
-          <p:cNvSpPr txBox="1">
-            <a:spLocks noGrp="1"/>
-          </p:cNvSpPr>
-          <p:nvPr>
-            <p:ph type="sldNum" idx="12"/>
-          </p:nvPr>
-        </p:nvSpPr>
-        <p:spPr>
-          <a:xfrm>
-            <a:off x="3886200" y="8686800"/>
-            <a:ext cx="2971800" cy="457200"/>
-          </a:xfrm>
-          <a:prstGeom prst="rect">
-            <a:avLst/>
-          </a:prstGeom>
-        </p:spPr>
-        <p:txBody>
-          <a:bodyPr spcFirstLastPara="1" wrap="square" lIns="91425" tIns="45700" rIns="91425" bIns="45700" anchor="b" anchorCtr="0">
-            <a:noAutofit/>
-          </a:bodyPr>
-          <a:lstStyle/>
-          <a:p>
-            <a:pPr marL="0" lvl="0" indent="0">
-              <a:spcBef>
-                <a:spcPts val="0"/>
-              </a:spcBef>
-              <a:spcAft>
-                <a:spcPts val="0"/>
-              </a:spcAft>
-              <a:buClr>
-                <a:srgbClr val="000000"/>
-              </a:buClr>
-              <a:buFont typeface="Arial"/>
-              <a:buNone/>
-            </a:pPr>
-            <a:fld id="{00000000-1234-1234-1234-123412341234}" type="slidenum">
-              <a:rPr lang="en-US"/>
-              <a:t>11</a:t>
-            </a:fld>
-            <a:endParaRPr sz="1400"/>
-          </a:p>
-        </p:txBody>
-      </p:sp>
-    </p:spTree>
-  </p:cSld>
-  <p:clrMapOvr>
-    <a:masterClrMapping/>
-  </p:clrMapOvr>
-</p:notes>
-</file>
-
-<file path=ppt/notesSlides/notesSlide11.xml><?xml version="1.0" encoding="utf-8"?>
-<p:notes xmlns:a="http://schemas.openxmlformats.org/drawingml/2006/main" xmlns:r="http://schemas.openxmlformats.org/officeDocument/2006/relationships" xmlns:p="http://schemas.openxmlformats.org/presentationml/2006/main" showMasterSp="0" showMasterPhAnim="0">
-  <p:cSld>
-    <p:spTree>
-      <p:nvGrpSpPr>
-        <p:cNvPr id="1" name="Shape 139"/>
-        <p:cNvGrpSpPr/>
-        <p:nvPr/>
-      </p:nvGrpSpPr>
-      <p:grpSpPr>
-        <a:xfrm>
-          <a:off x="0" y="0"/>
-          <a:ext cx="0" cy="0"/>
-          <a:chOff x="0" y="0"/>
-          <a:chExt cx="0" cy="0"/>
-        </a:xfrm>
-      </p:grpSpPr>
-      <p:sp>
-        <p:nvSpPr>
-          <p:cNvPr id="140" name="Shape 140"/>
-          <p:cNvSpPr>
-            <a:spLocks noGrp="1" noRot="1" noChangeAspect="1"/>
-          </p:cNvSpPr>
-          <p:nvPr>
-            <p:ph type="sldImg" idx="2"/>
-          </p:nvPr>
-        </p:nvSpPr>
-        <p:spPr>
-          <a:xfrm>
-            <a:off x="1143000" y="685800"/>
-            <a:ext cx="4572000" cy="3429000"/>
-          </a:xfrm>
-          <a:custGeom>
-            <a:avLst/>
-            <a:gdLst/>
-            <a:ahLst/>
-            <a:cxnLst/>
-            <a:rect l="0" t="0" r="0" b="0"/>
-            <a:pathLst>
-              <a:path w="120000" h="120000" extrusionOk="0">
-                <a:moveTo>
-                  <a:pt x="0" y="0"/>
-                </a:moveTo>
-                <a:lnTo>
-                  <a:pt x="120000" y="0"/>
-                </a:lnTo>
-                <a:lnTo>
-                  <a:pt x="120000" y="120000"/>
-                </a:lnTo>
-                <a:lnTo>
-                  <a:pt x="0" y="120000"/>
-                </a:lnTo>
-                <a:close/>
-              </a:path>
-            </a:pathLst>
-          </a:custGeom>
-        </p:spPr>
-      </p:sp>
-      <p:sp>
-        <p:nvSpPr>
           <p:cNvPr id="141" name="Shape 141"/>
           <p:cNvSpPr txBox="1">
             <a:spLocks noGrp="1"/>
@@ -1849,7 +1698,7 @@
             </a:pPr>
             <a:fld id="{00000000-1234-1234-1234-123412341234}" type="slidenum">
               <a:rPr lang="en-US"/>
-              <a:t>12</a:t>
+              <a:t>11</a:t>
             </a:fld>
             <a:endParaRPr sz="1400"/>
           </a:p>
@@ -1863,7 +1712,7 @@
 </p:notes>
 </file>
 
-<file path=ppt/notesSlides/notesSlide12.xml><?xml version="1.0" encoding="utf-8"?>
+<file path=ppt/notesSlides/notesSlide11.xml><?xml version="1.0" encoding="utf-8"?>
 <p:notes xmlns:a="http://schemas.openxmlformats.org/drawingml/2006/main" xmlns:r="http://schemas.openxmlformats.org/officeDocument/2006/relationships" xmlns:p="http://schemas.openxmlformats.org/presentationml/2006/main" showMasterSp="0" showMasterPhAnim="0">
   <p:cSld>
     <p:spTree>
@@ -1999,7 +1848,7 @@
             </a:pPr>
             <a:fld id="{00000000-1234-1234-1234-123412341234}" type="slidenum">
               <a:rPr lang="en-US"/>
-              <a:t>13</a:t>
+              <a:t>12</a:t>
             </a:fld>
             <a:endParaRPr sz="1400"/>
           </a:p>
@@ -2013,7 +1862,7 @@
 </p:notes>
 </file>
 
-<file path=ppt/notesSlides/notesSlide13.xml><?xml version="1.0" encoding="utf-8"?>
+<file path=ppt/notesSlides/notesSlide12.xml><?xml version="1.0" encoding="utf-8"?>
 <p:notes xmlns:a="http://schemas.openxmlformats.org/drawingml/2006/main" xmlns:r="http://schemas.openxmlformats.org/officeDocument/2006/relationships" xmlns:p="http://schemas.openxmlformats.org/presentationml/2006/main" showMasterSp="0" showMasterPhAnim="0">
   <p:cSld>
     <p:spTree>
@@ -2149,7 +1998,7 @@
             </a:pPr>
             <a:fld id="{00000000-1234-1234-1234-123412341234}" type="slidenum">
               <a:rPr lang="en-US"/>
-              <a:t>14</a:t>
+              <a:t>13</a:t>
             </a:fld>
             <a:endParaRPr sz="1400"/>
           </a:p>
@@ -2163,7 +2012,7 @@
 </p:notes>
 </file>
 
-<file path=ppt/notesSlides/notesSlide14.xml><?xml version="1.0" encoding="utf-8"?>
+<file path=ppt/notesSlides/notesSlide13.xml><?xml version="1.0" encoding="utf-8"?>
 <p:notes xmlns:a="http://schemas.openxmlformats.org/drawingml/2006/main" xmlns:r="http://schemas.openxmlformats.org/officeDocument/2006/relationships" xmlns:p="http://schemas.openxmlformats.org/presentationml/2006/main" showMasterSp="0" showMasterPhAnim="0">
   <p:cSld>
     <p:spTree>
@@ -2295,7 +2144,7 @@
             </a:pPr>
             <a:fld id="{00000000-1234-1234-1234-123412341234}" type="slidenum">
               <a:rPr lang="en-US"/>
-              <a:t>15</a:t>
+              <a:t>14</a:t>
             </a:fld>
             <a:endParaRPr sz="1400"/>
           </a:p>
@@ -2309,7 +2158,7 @@
 </p:notes>
 </file>
 
-<file path=ppt/notesSlides/notesSlide15.xml><?xml version="1.0" encoding="utf-8"?>
+<file path=ppt/notesSlides/notesSlide14.xml><?xml version="1.0" encoding="utf-8"?>
 <p:notes xmlns:a="http://schemas.openxmlformats.org/drawingml/2006/main" xmlns:r="http://schemas.openxmlformats.org/officeDocument/2006/relationships" xmlns:p="http://schemas.openxmlformats.org/presentationml/2006/main" showMasterSp="0" showMasterPhAnim="0">
   <p:cSld>
     <p:spTree>
@@ -2445,7 +2294,7 @@
             </a:pPr>
             <a:fld id="{00000000-1234-1234-1234-123412341234}" type="slidenum">
               <a:rPr lang="en-US"/>
-              <a:t>16</a:t>
+              <a:t>15</a:t>
             </a:fld>
             <a:endParaRPr sz="1400"/>
           </a:p>
@@ -2459,7 +2308,7 @@
 </p:notes>
 </file>
 
-<file path=ppt/notesSlides/notesSlide16.xml><?xml version="1.0" encoding="utf-8"?>
+<file path=ppt/notesSlides/notesSlide15.xml><?xml version="1.0" encoding="utf-8"?>
 <p:notes xmlns:a="http://schemas.openxmlformats.org/drawingml/2006/main" xmlns:r="http://schemas.openxmlformats.org/officeDocument/2006/relationships" xmlns:p="http://schemas.openxmlformats.org/presentationml/2006/main" showMasterSp="0" showMasterPhAnim="0">
   <p:cSld>
     <p:spTree>
@@ -2591,7 +2440,7 @@
             </a:pPr>
             <a:fld id="{00000000-1234-1234-1234-123412341234}" type="slidenum">
               <a:rPr lang="en-US"/>
-              <a:t>17</a:t>
+              <a:t>16</a:t>
             </a:fld>
             <a:endParaRPr sz="1400"/>
           </a:p>
@@ -2605,7 +2454,7 @@
 </p:notes>
 </file>
 
-<file path=ppt/notesSlides/notesSlide17.xml><?xml version="1.0" encoding="utf-8"?>
+<file path=ppt/notesSlides/notesSlide16.xml><?xml version="1.0" encoding="utf-8"?>
 <p:notes xmlns:a="http://schemas.openxmlformats.org/drawingml/2006/main" xmlns:r="http://schemas.openxmlformats.org/officeDocument/2006/relationships" xmlns:p="http://schemas.openxmlformats.org/presentationml/2006/main" showMasterSp="0" showMasterPhAnim="0">
   <p:cSld>
     <p:spTree>
@@ -2737,7 +2586,7 @@
             </a:pPr>
             <a:fld id="{00000000-1234-1234-1234-123412341234}" type="slidenum">
               <a:rPr lang="en-US"/>
-              <a:t>18</a:t>
+              <a:t>17</a:t>
             </a:fld>
             <a:endParaRPr sz="1400"/>
           </a:p>
@@ -2751,7 +2600,7 @@
 </p:notes>
 </file>
 
-<file path=ppt/notesSlides/notesSlide18.xml><?xml version="1.0" encoding="utf-8"?>
+<file path=ppt/notesSlides/notesSlide17.xml><?xml version="1.0" encoding="utf-8"?>
 <p:notes xmlns:a="http://schemas.openxmlformats.org/drawingml/2006/main" xmlns:r="http://schemas.openxmlformats.org/officeDocument/2006/relationships" xmlns:p="http://schemas.openxmlformats.org/presentationml/2006/main" showMasterSp="0" showMasterPhAnim="0">
   <p:cSld>
     <p:spTree>
@@ -2887,7 +2736,7 @@
             </a:pPr>
             <a:fld id="{00000000-1234-1234-1234-123412341234}" type="slidenum">
               <a:rPr lang="en-US"/>
-              <a:t>19</a:t>
+              <a:t>18</a:t>
             </a:fld>
             <a:endParaRPr sz="1400"/>
           </a:p>
@@ -2901,7 +2750,7 @@
 </p:notes>
 </file>
 
-<file path=ppt/notesSlides/notesSlide19.xml><?xml version="1.0" encoding="utf-8"?>
+<file path=ppt/notesSlides/notesSlide18.xml><?xml version="1.0" encoding="utf-8"?>
 <p:notes xmlns:a="http://schemas.openxmlformats.org/drawingml/2006/main" xmlns:r="http://schemas.openxmlformats.org/officeDocument/2006/relationships" xmlns:p="http://schemas.openxmlformats.org/presentationml/2006/main" showMasterSp="0" showMasterPhAnim="0">
   <p:cSld>
     <p:spTree>
@@ -3415,7 +3264,7 @@
   <p:cSld>
     <p:spTree>
       <p:nvGrpSpPr>
-        <p:cNvPr id="1" name="Shape 85"/>
+        <p:cNvPr id="1" name="Shape 93"/>
         <p:cNvGrpSpPr/>
         <p:nvPr/>
       </p:nvGrpSpPr>
@@ -3429,7 +3278,7 @@
       </p:grpSpPr>
       <p:sp>
         <p:nvSpPr>
-          <p:cNvPr id="86" name="Shape 86"/>
+          <p:cNvPr id="94" name="Shape 94"/>
           <p:cNvSpPr>
             <a:spLocks noGrp="1" noRot="1" noChangeAspect="1"/>
           </p:cNvSpPr>
@@ -3470,152 +3319,6 @@
       </p:sp>
       <p:sp>
         <p:nvSpPr>
-          <p:cNvPr id="87" name="Shape 87"/>
-          <p:cNvSpPr txBox="1">
-            <a:spLocks noGrp="1"/>
-          </p:cNvSpPr>
-          <p:nvPr>
-            <p:ph type="body" idx="1"/>
-          </p:nvPr>
-        </p:nvSpPr>
-        <p:spPr>
-          <a:xfrm>
-            <a:off x="914400" y="4343400"/>
-            <a:ext cx="5029200" cy="4114800"/>
-          </a:xfrm>
-          <a:prstGeom prst="rect">
-            <a:avLst/>
-          </a:prstGeom>
-        </p:spPr>
-        <p:txBody>
-          <a:bodyPr spcFirstLastPara="1" wrap="square" lIns="91425" tIns="91425" rIns="91425" bIns="91425" anchor="t" anchorCtr="0">
-            <a:noAutofit/>
-          </a:bodyPr>
-          <a:lstStyle/>
-          <a:p>
-            <a:pPr marL="0" lvl="0" indent="0" rtl="0">
-              <a:spcBef>
-                <a:spcPts val="0"/>
-              </a:spcBef>
-              <a:spcAft>
-                <a:spcPts val="0"/>
-              </a:spcAft>
-              <a:buNone/>
-            </a:pPr>
-            <a:endParaRPr/>
-          </a:p>
-        </p:txBody>
-      </p:sp>
-      <p:sp>
-        <p:nvSpPr>
-          <p:cNvPr id="88" name="Shape 88"/>
-          <p:cNvSpPr txBox="1">
-            <a:spLocks noGrp="1"/>
-          </p:cNvSpPr>
-          <p:nvPr>
-            <p:ph type="sldNum" idx="12"/>
-          </p:nvPr>
-        </p:nvSpPr>
-        <p:spPr>
-          <a:xfrm>
-            <a:off x="3886200" y="8686800"/>
-            <a:ext cx="2971800" cy="457200"/>
-          </a:xfrm>
-          <a:prstGeom prst="rect">
-            <a:avLst/>
-          </a:prstGeom>
-        </p:spPr>
-        <p:txBody>
-          <a:bodyPr spcFirstLastPara="1" wrap="square" lIns="91425" tIns="45700" rIns="91425" bIns="45700" anchor="b" anchorCtr="0">
-            <a:noAutofit/>
-          </a:bodyPr>
-          <a:lstStyle/>
-          <a:p>
-            <a:pPr marL="0" lvl="0" indent="0" rtl="0">
-              <a:spcBef>
-                <a:spcPts val="0"/>
-              </a:spcBef>
-              <a:spcAft>
-                <a:spcPts val="0"/>
-              </a:spcAft>
-              <a:buNone/>
-            </a:pPr>
-            <a:fld id="{00000000-1234-1234-1234-123412341234}" type="slidenum">
-              <a:rPr lang="en-US"/>
-              <a:t>5</a:t>
-            </a:fld>
-            <a:endParaRPr sz="1400"/>
-          </a:p>
-        </p:txBody>
-      </p:sp>
-    </p:spTree>
-  </p:cSld>
-  <p:clrMapOvr>
-    <a:masterClrMapping/>
-  </p:clrMapOvr>
-</p:notes>
-</file>
-
-<file path=ppt/notesSlides/notesSlide6.xml><?xml version="1.0" encoding="utf-8"?>
-<p:notes xmlns:a="http://schemas.openxmlformats.org/drawingml/2006/main" xmlns:r="http://schemas.openxmlformats.org/officeDocument/2006/relationships" xmlns:p="http://schemas.openxmlformats.org/presentationml/2006/main" showMasterSp="0" showMasterPhAnim="0">
-  <p:cSld>
-    <p:spTree>
-      <p:nvGrpSpPr>
-        <p:cNvPr id="1" name="Shape 93"/>
-        <p:cNvGrpSpPr/>
-        <p:nvPr/>
-      </p:nvGrpSpPr>
-      <p:grpSpPr>
-        <a:xfrm>
-          <a:off x="0" y="0"/>
-          <a:ext cx="0" cy="0"/>
-          <a:chOff x="0" y="0"/>
-          <a:chExt cx="0" cy="0"/>
-        </a:xfrm>
-      </p:grpSpPr>
-      <p:sp>
-        <p:nvSpPr>
-          <p:cNvPr id="94" name="Shape 94"/>
-          <p:cNvSpPr>
-            <a:spLocks noGrp="1" noRot="1" noChangeAspect="1"/>
-          </p:cNvSpPr>
-          <p:nvPr>
-            <p:ph type="sldImg" idx="2"/>
-          </p:nvPr>
-        </p:nvSpPr>
-        <p:spPr>
-          <a:xfrm>
-            <a:off x="1143000" y="685800"/>
-            <a:ext cx="4572000" cy="3429000"/>
-          </a:xfrm>
-          <a:custGeom>
-            <a:avLst/>
-            <a:gdLst/>
-            <a:ahLst/>
-            <a:cxnLst/>
-            <a:rect l="0" t="0" r="0" b="0"/>
-            <a:pathLst>
-              <a:path w="120000" h="120000" extrusionOk="0">
-                <a:moveTo>
-                  <a:pt x="0" y="0"/>
-                </a:moveTo>
-                <a:lnTo>
-                  <a:pt x="120000" y="0"/>
-                </a:lnTo>
-                <a:lnTo>
-                  <a:pt x="120000" y="120000"/>
-                </a:lnTo>
-                <a:lnTo>
-                  <a:pt x="0" y="120000"/>
-                </a:lnTo>
-                <a:close/>
-              </a:path>
-            </a:pathLst>
-          </a:custGeom>
-        </p:spPr>
-      </p:sp>
-      <p:sp>
-        <p:nvSpPr>
           <p:cNvPr id="95" name="Shape 95"/>
           <p:cNvSpPr txBox="1">
             <a:spLocks noGrp="1"/>
@@ -3692,7 +3395,7 @@
             </a:pPr>
             <a:fld id="{00000000-1234-1234-1234-123412341234}" type="slidenum">
               <a:rPr lang="en-US"/>
-              <a:t>6</a:t>
+              <a:t>5</a:t>
             </a:fld>
             <a:endParaRPr sz="1400"/>
           </a:p>
@@ -3706,7 +3409,7 @@
 </p:notes>
 </file>
 
-<file path=ppt/notesSlides/notesSlide7.xml><?xml version="1.0" encoding="utf-8"?>
+<file path=ppt/notesSlides/notesSlide6.xml><?xml version="1.0" encoding="utf-8"?>
 <p:notes xmlns:a="http://schemas.openxmlformats.org/drawingml/2006/main" xmlns:r="http://schemas.openxmlformats.org/officeDocument/2006/relationships" xmlns:p="http://schemas.openxmlformats.org/presentationml/2006/main" showMasterSp="0" showMasterPhAnim="0">
   <p:cSld>
     <p:spTree>
@@ -3834,7 +3537,7 @@
 </p:notes>
 </file>
 
-<file path=ppt/notesSlides/notesSlide8.xml><?xml version="1.0" encoding="utf-8"?>
+<file path=ppt/notesSlides/notesSlide7.xml><?xml version="1.0" encoding="utf-8"?>
 <p:notes xmlns:a="http://schemas.openxmlformats.org/drawingml/2006/main" xmlns:r="http://schemas.openxmlformats.org/officeDocument/2006/relationships" xmlns:p="http://schemas.openxmlformats.org/presentationml/2006/main" showMasterSp="0" showMasterPhAnim="0">
   <p:cSld>
     <p:spTree>
@@ -3962,7 +3665,7 @@
 </p:notes>
 </file>
 
-<file path=ppt/notesSlides/notesSlide9.xml><?xml version="1.0" encoding="utf-8"?>
+<file path=ppt/notesSlides/notesSlide8.xml><?xml version="1.0" encoding="utf-8"?>
 <p:notes xmlns:a="http://schemas.openxmlformats.org/drawingml/2006/main" xmlns:r="http://schemas.openxmlformats.org/officeDocument/2006/relationships" xmlns:p="http://schemas.openxmlformats.org/presentationml/2006/main" showMasterSp="0" showMasterPhAnim="0">
   <p:cSld>
     <p:spTree>
@@ -4061,6 +3764,156 @@
       <p:sp>
         <p:nvSpPr>
           <p:cNvPr id="123" name="Shape 123"/>
+          <p:cNvSpPr txBox="1">
+            <a:spLocks noGrp="1"/>
+          </p:cNvSpPr>
+          <p:nvPr>
+            <p:ph type="sldNum" idx="12"/>
+          </p:nvPr>
+        </p:nvSpPr>
+        <p:spPr>
+          <a:xfrm>
+            <a:off x="3886200" y="8686800"/>
+            <a:ext cx="2971800" cy="457200"/>
+          </a:xfrm>
+          <a:prstGeom prst="rect">
+            <a:avLst/>
+          </a:prstGeom>
+        </p:spPr>
+        <p:txBody>
+          <a:bodyPr spcFirstLastPara="1" wrap="square" lIns="91425" tIns="45700" rIns="91425" bIns="45700" anchor="b" anchorCtr="0">
+            <a:noAutofit/>
+          </a:bodyPr>
+          <a:lstStyle/>
+          <a:p>
+            <a:pPr marL="0" lvl="0" indent="0">
+              <a:spcBef>
+                <a:spcPts val="0"/>
+              </a:spcBef>
+              <a:spcAft>
+                <a:spcPts val="0"/>
+              </a:spcAft>
+              <a:buClr>
+                <a:srgbClr val="000000"/>
+              </a:buClr>
+              <a:buFont typeface="Arial"/>
+              <a:buNone/>
+            </a:pPr>
+            <a:fld id="{00000000-1234-1234-1234-123412341234}" type="slidenum">
+              <a:rPr lang="en-US"/>
+              <a:t>9</a:t>
+            </a:fld>
+            <a:endParaRPr sz="1400"/>
+          </a:p>
+        </p:txBody>
+      </p:sp>
+    </p:spTree>
+  </p:cSld>
+  <p:clrMapOvr>
+    <a:masterClrMapping/>
+  </p:clrMapOvr>
+</p:notes>
+</file>
+
+<file path=ppt/notesSlides/notesSlide9.xml><?xml version="1.0" encoding="utf-8"?>
+<p:notes xmlns:a="http://schemas.openxmlformats.org/drawingml/2006/main" xmlns:r="http://schemas.openxmlformats.org/officeDocument/2006/relationships" xmlns:p="http://schemas.openxmlformats.org/presentationml/2006/main" showMasterSp="0" showMasterPhAnim="0">
+  <p:cSld>
+    <p:spTree>
+      <p:nvGrpSpPr>
+        <p:cNvPr id="1" name="Shape 129"/>
+        <p:cNvGrpSpPr/>
+        <p:nvPr/>
+      </p:nvGrpSpPr>
+      <p:grpSpPr>
+        <a:xfrm>
+          <a:off x="0" y="0"/>
+          <a:ext cx="0" cy="0"/>
+          <a:chOff x="0" y="0"/>
+          <a:chExt cx="0" cy="0"/>
+        </a:xfrm>
+      </p:grpSpPr>
+      <p:sp>
+        <p:nvSpPr>
+          <p:cNvPr id="130" name="Shape 130"/>
+          <p:cNvSpPr>
+            <a:spLocks noGrp="1" noRot="1" noChangeAspect="1"/>
+          </p:cNvSpPr>
+          <p:nvPr>
+            <p:ph type="sldImg" idx="2"/>
+          </p:nvPr>
+        </p:nvSpPr>
+        <p:spPr>
+          <a:xfrm>
+            <a:off x="1143000" y="685800"/>
+            <a:ext cx="4572000" cy="3429000"/>
+          </a:xfrm>
+          <a:custGeom>
+            <a:avLst/>
+            <a:gdLst/>
+            <a:ahLst/>
+            <a:cxnLst/>
+            <a:rect l="0" t="0" r="0" b="0"/>
+            <a:pathLst>
+              <a:path w="120000" h="120000" extrusionOk="0">
+                <a:moveTo>
+                  <a:pt x="0" y="0"/>
+                </a:moveTo>
+                <a:lnTo>
+                  <a:pt x="120000" y="0"/>
+                </a:lnTo>
+                <a:lnTo>
+                  <a:pt x="120000" y="120000"/>
+                </a:lnTo>
+                <a:lnTo>
+                  <a:pt x="0" y="120000"/>
+                </a:lnTo>
+                <a:close/>
+              </a:path>
+            </a:pathLst>
+          </a:custGeom>
+        </p:spPr>
+      </p:sp>
+      <p:sp>
+        <p:nvSpPr>
+          <p:cNvPr id="131" name="Shape 131"/>
+          <p:cNvSpPr txBox="1">
+            <a:spLocks noGrp="1"/>
+          </p:cNvSpPr>
+          <p:nvPr>
+            <p:ph type="body" idx="1"/>
+          </p:nvPr>
+        </p:nvSpPr>
+        <p:spPr>
+          <a:xfrm>
+            <a:off x="914400" y="4343400"/>
+            <a:ext cx="5029200" cy="4114800"/>
+          </a:xfrm>
+          <a:prstGeom prst="rect">
+            <a:avLst/>
+          </a:prstGeom>
+        </p:spPr>
+        <p:txBody>
+          <a:bodyPr spcFirstLastPara="1" wrap="square" lIns="91425" tIns="91425" rIns="91425" bIns="91425" anchor="t" anchorCtr="0">
+            <a:noAutofit/>
+          </a:bodyPr>
+          <a:lstStyle/>
+          <a:p>
+            <a:pPr marL="0" lvl="0" indent="0">
+              <a:spcBef>
+                <a:spcPts val="0"/>
+              </a:spcBef>
+              <a:spcAft>
+                <a:spcPts val="0"/>
+              </a:spcAft>
+              <a:buNone/>
+            </a:pPr>
+            <a:endParaRPr/>
+          </a:p>
+        </p:txBody>
+      </p:sp>
+      <p:sp>
+        <p:nvSpPr>
+          <p:cNvPr id="132" name="Shape 132"/>
           <p:cNvSpPr txBox="1">
             <a:spLocks noGrp="1"/>
           </p:cNvSpPr>
@@ -9674,10 +9527,10 @@
               <a:buNone/>
             </a:pPr>
             <a:r>
-              <a:rPr lang="en-US" sz="2200"/>
+              <a:rPr lang="en-US" sz="2200" dirty="0"/>
               <a:t>Unsupervised machine learning is the machine learning task of inferring a function to describe hidden structure from "unlabeled" data:</a:t>
             </a:r>
-            <a:endParaRPr sz="2200"/>
+            <a:endParaRPr sz="2200" dirty="0"/>
           </a:p>
           <a:p>
             <a:pPr marL="1257300" marR="0" lvl="0" indent="-245110" algn="l" rtl="0">
@@ -9698,34 +9551,18 @@
               <a:buNone/>
             </a:pPr>
             <a:r>
-              <a:rPr lang="en-US" sz="2200"/>
-              <a:t>a classification or categorization is not included in the observations</a:t>
-            </a:r>
-            <a:endParaRPr sz="2200"/>
-          </a:p>
-          <a:p>
-            <a:pPr marL="342900" marR="0" lvl="0" indent="-245109" algn="l" rtl="0">
-              <a:lnSpc>
-                <a:spcPct val="100000"/>
-              </a:lnSpc>
-              <a:spcBef>
-                <a:spcPts val="440"/>
-              </a:spcBef>
-              <a:spcAft>
-                <a:spcPts val="0"/>
-              </a:spcAft>
-              <a:buClr>
-                <a:schemeClr val="dk1"/>
-              </a:buClr>
-              <a:buSzPts val="1540"/>
-              <a:buFont typeface="Noto Sans Symbols"/>
-              <a:buNone/>
-            </a:pPr>
-            <a:r>
-              <a:rPr lang="en-US" sz="2200"/>
-              <a:t>Since the examples given to the learner are unlabeled, there is no easy evaluation of the accuracy of the structure that is output by the relevant algorithm—which is one way of distinguishing unsupervised learning from supervised learning.</a:t>
-            </a:r>
-            <a:endParaRPr sz="2200"/>
+              <a:rPr lang="en-US" sz="2200" dirty="0"/>
+              <a:t>a concept, classification or categorization is not included in the observations, that is, there is </a:t>
+            </a:r>
+            <a:r>
+              <a:rPr lang="en-US" sz="2200" i="1" dirty="0"/>
+              <a:t>no target variable</a:t>
+            </a:r>
+            <a:r>
+              <a:rPr lang="en-US" sz="2200" dirty="0"/>
+              <a:t>!</a:t>
+            </a:r>
+            <a:endParaRPr sz="2200" dirty="0"/>
           </a:p>
         </p:txBody>
       </p:sp>
@@ -9738,314 +9575,6 @@
 </file>
 
 <file path=ppt/slides/slide10.xml><?xml version="1.0" encoding="utf-8"?>
-<p:sld xmlns:a="http://schemas.openxmlformats.org/drawingml/2006/main" xmlns:r="http://schemas.openxmlformats.org/officeDocument/2006/relationships" xmlns:p="http://schemas.openxmlformats.org/presentationml/2006/main">
-  <p:cSld>
-    <p:spTree>
-      <p:nvGrpSpPr>
-        <p:cNvPr id="1" name="Shape 124"/>
-        <p:cNvGrpSpPr/>
-        <p:nvPr/>
-      </p:nvGrpSpPr>
-      <p:grpSpPr>
-        <a:xfrm>
-          <a:off x="0" y="0"/>
-          <a:ext cx="0" cy="0"/>
-          <a:chOff x="0" y="0"/>
-          <a:chExt cx="0" cy="0"/>
-        </a:xfrm>
-      </p:grpSpPr>
-      <p:sp>
-        <p:nvSpPr>
-          <p:cNvPr id="125" name="Shape 125"/>
-          <p:cNvSpPr txBox="1">
-            <a:spLocks noGrp="1"/>
-          </p:cNvSpPr>
-          <p:nvPr>
-            <p:ph type="title"/>
-          </p:nvPr>
-        </p:nvSpPr>
-        <p:spPr>
-          <a:xfrm>
-            <a:off x="311700" y="593367"/>
-            <a:ext cx="8520600" cy="763500"/>
-          </a:xfrm>
-          <a:prstGeom prst="rect">
-            <a:avLst/>
-          </a:prstGeom>
-        </p:spPr>
-        <p:txBody>
-          <a:bodyPr spcFirstLastPara="1" wrap="square" lIns="91425" tIns="91425" rIns="91425" bIns="91425" anchor="t" anchorCtr="0">
-            <a:noAutofit/>
-          </a:bodyPr>
-          <a:lstStyle/>
-          <a:p>
-            <a:pPr marL="0" lvl="0" indent="0">
-              <a:spcBef>
-                <a:spcPts val="0"/>
-              </a:spcBef>
-              <a:spcAft>
-                <a:spcPts val="0"/>
-              </a:spcAft>
-              <a:buNone/>
-            </a:pPr>
-            <a:r>
-              <a:rPr lang="en-US"/>
-              <a:t>k-Means: selection of k</a:t>
-            </a:r>
-            <a:endParaRPr/>
-          </a:p>
-        </p:txBody>
-      </p:sp>
-      <p:sp>
-        <p:nvSpPr>
-          <p:cNvPr id="126" name="Shape 126"/>
-          <p:cNvSpPr txBox="1">
-            <a:spLocks noGrp="1"/>
-          </p:cNvSpPr>
-          <p:nvPr>
-            <p:ph type="body" idx="1"/>
-          </p:nvPr>
-        </p:nvSpPr>
-        <p:spPr>
-          <a:xfrm>
-            <a:off x="311700" y="1536632"/>
-            <a:ext cx="8520600" cy="476400"/>
-          </a:xfrm>
-          <a:prstGeom prst="rect">
-            <a:avLst/>
-          </a:prstGeom>
-        </p:spPr>
-        <p:txBody>
-          <a:bodyPr spcFirstLastPara="1" wrap="square" lIns="91425" tIns="91425" rIns="91425" bIns="91425" anchor="t" anchorCtr="0">
-            <a:noAutofit/>
-          </a:bodyPr>
-          <a:lstStyle/>
-          <a:p>
-            <a:pPr marL="0" lvl="0" indent="0">
-              <a:spcBef>
-                <a:spcPts val="0"/>
-              </a:spcBef>
-              <a:spcAft>
-                <a:spcPts val="1600"/>
-              </a:spcAft>
-              <a:buNone/>
-            </a:pPr>
-            <a:r>
-              <a:rPr lang="en-US"/>
-              <a:t>The selection of k can have a serious effect on the quality of your clusters.</a:t>
-            </a:r>
-            <a:endParaRPr/>
-          </a:p>
-        </p:txBody>
-      </p:sp>
-      <p:sp>
-        <p:nvSpPr>
-          <p:cNvPr id="127" name="Shape 127"/>
-          <p:cNvSpPr txBox="1"/>
-          <p:nvPr/>
-        </p:nvSpPr>
-        <p:spPr>
-          <a:xfrm>
-            <a:off x="311700" y="2192775"/>
-            <a:ext cx="4657200" cy="1364700"/>
-          </a:xfrm>
-          <a:prstGeom prst="rect">
-            <a:avLst/>
-          </a:prstGeom>
-          <a:solidFill>
-            <a:schemeClr val="lt2"/>
-          </a:solidFill>
-          <a:ln w="9525" cap="flat" cmpd="sng">
-            <a:solidFill>
-              <a:srgbClr val="000000"/>
-            </a:solidFill>
-            <a:prstDash val="solid"/>
-            <a:round/>
-            <a:headEnd type="none" w="sm" len="sm"/>
-            <a:tailEnd type="none" w="sm" len="sm"/>
-          </a:ln>
-        </p:spPr>
-        <p:txBody>
-          <a:bodyPr spcFirstLastPara="1" wrap="square" lIns="91425" tIns="91425" rIns="91425" bIns="91425" anchor="t" anchorCtr="0">
-            <a:noAutofit/>
-          </a:bodyPr>
-          <a:lstStyle/>
-          <a:p>
-            <a:pPr marL="0" lvl="0" indent="0">
-              <a:spcBef>
-                <a:spcPts val="0"/>
-              </a:spcBef>
-              <a:spcAft>
-                <a:spcPts val="0"/>
-              </a:spcAft>
-              <a:buNone/>
-            </a:pPr>
-            <a:r>
-              <a:rPr lang="en-US" dirty="0"/>
-              <a:t>import </a:t>
-            </a:r>
-            <a:r>
-              <a:rPr lang="en-US" dirty="0" err="1"/>
-              <a:t>matplotlib.pyplot</a:t>
-            </a:r>
-            <a:r>
-              <a:rPr lang="en-US" dirty="0"/>
-              <a:t> as </a:t>
-            </a:r>
-            <a:r>
-              <a:rPr lang="en-US" dirty="0" err="1"/>
-              <a:t>plt</a:t>
-            </a:r>
-            <a:br>
-              <a:rPr lang="en-US" dirty="0"/>
-            </a:br>
-            <a:r>
-              <a:rPr lang="en-US" dirty="0"/>
-              <a:t>from </a:t>
-            </a:r>
-            <a:r>
-              <a:rPr lang="en-US" dirty="0" err="1"/>
-              <a:t>sklearn.cluster</a:t>
-            </a:r>
-            <a:r>
-              <a:rPr lang="en-US" dirty="0"/>
-              <a:t> import </a:t>
-            </a:r>
-            <a:r>
-              <a:rPr lang="en-US" dirty="0" err="1"/>
-              <a:t>KMeans</a:t>
-            </a:r>
-            <a:br>
-              <a:rPr lang="en-US" dirty="0"/>
-            </a:br>
-            <a:endParaRPr dirty="0"/>
-          </a:p>
-          <a:p>
-            <a:pPr marL="0" lvl="0" indent="0">
-              <a:spcBef>
-                <a:spcPts val="0"/>
-              </a:spcBef>
-              <a:spcAft>
-                <a:spcPts val="0"/>
-              </a:spcAft>
-              <a:buNone/>
-            </a:pPr>
-            <a:r>
-              <a:rPr lang="en-US" dirty="0"/>
-              <a:t>labels = </a:t>
-            </a:r>
-            <a:r>
-              <a:rPr lang="en-US" dirty="0" err="1"/>
-              <a:t>KMeans</a:t>
-            </a:r>
-            <a:r>
-              <a:rPr lang="en-US" dirty="0"/>
-              <a:t>(6, </a:t>
-            </a:r>
-            <a:r>
-              <a:rPr lang="en-US" dirty="0" err="1"/>
-              <a:t>random_state</a:t>
-            </a:r>
-            <a:r>
-              <a:rPr lang="en-US" dirty="0"/>
-              <a:t>=0).</a:t>
-            </a:r>
-            <a:r>
-              <a:rPr lang="en-US" dirty="0" err="1"/>
-              <a:t>fit_predict</a:t>
-            </a:r>
-            <a:r>
-              <a:rPr lang="en-US" dirty="0"/>
-              <a:t>(X)</a:t>
-            </a:r>
-            <a:br>
-              <a:rPr lang="en-US" dirty="0"/>
-            </a:br>
-            <a:r>
-              <a:rPr lang="en-US" dirty="0" err="1"/>
-              <a:t>plt.scatter</a:t>
-            </a:r>
-            <a:r>
-              <a:rPr lang="en-US" dirty="0"/>
-              <a:t>(X[:, 0], X[:, 1], c=labels, s=50, </a:t>
-            </a:r>
-            <a:r>
-              <a:rPr lang="en-US" dirty="0" err="1"/>
-              <a:t>cmap</a:t>
-            </a:r>
-            <a:r>
-              <a:rPr lang="en-US" dirty="0"/>
-              <a:t>='</a:t>
-            </a:r>
-            <a:r>
-              <a:rPr lang="en-US" dirty="0" err="1"/>
-              <a:t>viridis</a:t>
-            </a:r>
-            <a:r>
-              <a:rPr lang="en-US" dirty="0"/>
-              <a:t>')</a:t>
-            </a:r>
-            <a:endParaRPr dirty="0"/>
-          </a:p>
-          <a:p>
-            <a:pPr marL="0" lvl="0" indent="0">
-              <a:spcBef>
-                <a:spcPts val="0"/>
-              </a:spcBef>
-              <a:spcAft>
-                <a:spcPts val="0"/>
-              </a:spcAft>
-              <a:buNone/>
-            </a:pPr>
-            <a:r>
-              <a:rPr lang="en-US" dirty="0" err="1"/>
-              <a:t>plt.show</a:t>
-            </a:r>
-            <a:r>
-              <a:rPr lang="en-US" dirty="0"/>
-              <a:t>()</a:t>
-            </a:r>
-            <a:endParaRPr dirty="0"/>
-          </a:p>
-        </p:txBody>
-      </p:sp>
-      <p:pic>
-        <p:nvPicPr>
-          <p:cNvPr id="128" name="Shape 128" descr="Unknown-8"/>
-          <p:cNvPicPr preferRelativeResize="0"/>
-          <p:nvPr/>
-        </p:nvPicPr>
-        <p:blipFill>
-          <a:blip r:embed="rId3">
-            <a:alphaModFix/>
-          </a:blip>
-          <a:stretch>
-            <a:fillRect/>
-          </a:stretch>
-        </p:blipFill>
-        <p:spPr>
-          <a:xfrm>
-            <a:off x="4195550" y="3737225"/>
-            <a:ext cx="4234427" cy="2995725"/>
-          </a:xfrm>
-          <a:prstGeom prst="rect">
-            <a:avLst/>
-          </a:prstGeom>
-          <a:noFill/>
-          <a:ln>
-            <a:noFill/>
-          </a:ln>
-        </p:spPr>
-      </p:pic>
-    </p:spTree>
-  </p:cSld>
-  <p:clrMapOvr>
-    <a:masterClrMapping/>
-  </p:clrMapOvr>
-</p:sld>
-</file>
-
-<file path=ppt/slides/slide11.xml><?xml version="1.0" encoding="utf-8"?>
 <p:sld xmlns:a="http://schemas.openxmlformats.org/drawingml/2006/main" xmlns:r="http://schemas.openxmlformats.org/officeDocument/2006/relationships" xmlns:p="http://schemas.openxmlformats.org/presentationml/2006/main">
   <p:cSld>
     <p:spTree>
@@ -10139,10 +9668,10 @@
               <a:buNone/>
             </a:pPr>
             <a:r>
-              <a:rPr lang="en-US"/>
-              <a:t>The Elbow method is a method of interpretation and validation of consistency within cluster analysis designed to help finding the appropriate number of clusters in a dataset.</a:t>
-            </a:r>
-            <a:endParaRPr/>
+              <a:rPr lang="en-US" dirty="0"/>
+              <a:t>The Elbow method is a method of interpretation of consistency within cluster analysis designed to help finding the appropriate number of clusters in a dataset.</a:t>
+            </a:r>
+            <a:endParaRPr dirty="0"/>
           </a:p>
           <a:p>
             <a:pPr marL="0" lvl="0" indent="0">
@@ -10155,10 +9684,10 @@
               <a:buNone/>
             </a:pPr>
             <a:r>
-              <a:rPr lang="en-US"/>
+              <a:rPr lang="en-US" dirty="0"/>
               <a:t>Looking for the ‘elbow’ in a plot</a:t>
             </a:r>
-            <a:endParaRPr/>
+            <a:endParaRPr dirty="0"/>
           </a:p>
         </p:txBody>
       </p:sp>
@@ -10275,7 +9804,7 @@
 </p:sld>
 </file>
 
-<file path=ppt/slides/slide12.xml><?xml version="1.0" encoding="utf-8"?>
+<file path=ppt/slides/slide11.xml><?xml version="1.0" encoding="utf-8"?>
 <p:sld xmlns:a="http://schemas.openxmlformats.org/drawingml/2006/main" xmlns:r="http://schemas.openxmlformats.org/officeDocument/2006/relationships" xmlns:p="http://schemas.openxmlformats.org/presentationml/2006/main">
   <p:cSld>
     <p:spTree>
@@ -10343,7 +9872,7 @@
         <p:spPr>
           <a:xfrm>
             <a:off x="307075" y="1688900"/>
-            <a:ext cx="6124500" cy="4776600"/>
+            <a:ext cx="5858198" cy="4776600"/>
           </a:xfrm>
           <a:prstGeom prst="rect">
             <a:avLst/>
@@ -10619,8 +10148,8 @@
         </p:nvSpPr>
         <p:spPr>
           <a:xfrm>
-            <a:off x="7079775" y="2064225"/>
-            <a:ext cx="1637700" cy="856500"/>
+            <a:off x="6345382" y="2064224"/>
+            <a:ext cx="2604654" cy="1648793"/>
           </a:xfrm>
           <a:prstGeom prst="rect">
             <a:avLst/>
@@ -10646,10 +10175,63 @@
               <a:buNone/>
             </a:pPr>
             <a:r>
-              <a:rPr lang="en-US"/>
-              <a:t>Demo elbow</a:t>
-            </a:r>
-            <a:endParaRPr/>
+              <a:rPr lang="en-US" dirty="0"/>
+              <a:t>Elbow Method – compute n different cluster models and </a:t>
+            </a:r>
+          </a:p>
+          <a:p>
+            <a:pPr marL="0" lvl="0" indent="0">
+              <a:spcBef>
+                <a:spcPts val="0"/>
+              </a:spcBef>
+              <a:spcAft>
+                <a:spcPts val="0"/>
+              </a:spcAft>
+              <a:buNone/>
+            </a:pPr>
+            <a:r>
+              <a:rPr lang="en-US" dirty="0"/>
+              <a:t>compute the variance within each cluster model – the elbow is where the variance changes drastically.</a:t>
+            </a:r>
+          </a:p>
+          <a:p>
+            <a:pPr marL="0" lvl="0" indent="0">
+              <a:spcBef>
+                <a:spcPts val="0"/>
+              </a:spcBef>
+              <a:spcAft>
+                <a:spcPts val="0"/>
+              </a:spcAft>
+              <a:buNone/>
+            </a:pPr>
+            <a:endParaRPr lang="en-US" dirty="0"/>
+          </a:p>
+          <a:p>
+            <a:pPr marL="0" lvl="0" indent="0">
+              <a:spcBef>
+                <a:spcPts val="0"/>
+              </a:spcBef>
+              <a:spcAft>
+                <a:spcPts val="0"/>
+              </a:spcAft>
+              <a:buNone/>
+            </a:pPr>
+            <a:r>
+              <a:rPr lang="en-US" dirty="0"/>
+              <a:t>Demo.</a:t>
+            </a:r>
+          </a:p>
+          <a:p>
+            <a:pPr marL="0" lvl="0" indent="0">
+              <a:spcBef>
+                <a:spcPts val="0"/>
+              </a:spcBef>
+              <a:spcAft>
+                <a:spcPts val="0"/>
+              </a:spcAft>
+              <a:buNone/>
+            </a:pPr>
+            <a:endParaRPr dirty="0"/>
           </a:p>
         </p:txBody>
       </p:sp>
@@ -10661,7 +10243,7 @@
 </p:sld>
 </file>
 
-<file path=ppt/slides/slide13.xml><?xml version="1.0" encoding="utf-8"?>
+<file path=ppt/slides/slide12.xml><?xml version="1.0" encoding="utf-8"?>
 <p:sld xmlns:a="http://schemas.openxmlformats.org/drawingml/2006/main" xmlns:r="http://schemas.openxmlformats.org/officeDocument/2006/relationships" xmlns:p="http://schemas.openxmlformats.org/presentationml/2006/main">
   <p:cSld>
     <p:spTree>
@@ -10689,10 +10271,6 @@
           </p:nvPr>
         </p:nvSpPr>
         <p:spPr>
-          <a:xfrm>
-            <a:off x="311700" y="593367"/>
-            <a:ext cx="8520600" cy="763500"/>
-          </a:xfrm>
           <a:prstGeom prst="rect">
             <a:avLst/>
           </a:prstGeom>
@@ -10722,241 +10300,65 @@
       </p:sp>
       <p:sp>
         <p:nvSpPr>
-          <p:cNvPr id="153" name="Shape 153"/>
-          <p:cNvSpPr txBox="1"/>
-          <p:nvPr/>
+          <p:cNvPr id="2" name="Text Placeholder 1">
+            <a:extLst>
+              <a:ext uri="{FF2B5EF4-FFF2-40B4-BE49-F238E27FC236}">
+                <a16:creationId xmlns:a16="http://schemas.microsoft.com/office/drawing/2014/main" id="{F47DB43F-6664-BD49-AB73-3E177FB98F94}"/>
+              </a:ext>
+            </a:extLst>
+          </p:cNvPr>
+          <p:cNvSpPr>
+            <a:spLocks noGrp="1"/>
+          </p:cNvSpPr>
+          <p:nvPr>
+            <p:ph type="body" idx="1"/>
+          </p:nvPr>
         </p:nvSpPr>
         <p:spPr>
           <a:xfrm>
-            <a:off x="435600" y="1317000"/>
-            <a:ext cx="4733400" cy="1637700"/>
-          </a:xfrm>
-          <a:prstGeom prst="rect">
-            <a:avLst/>
-          </a:prstGeom>
-          <a:solidFill>
-            <a:schemeClr val="lt2"/>
-          </a:solidFill>
-          <a:ln w="9525" cap="flat" cmpd="sng">
-            <a:solidFill>
-              <a:srgbClr val="000000"/>
-            </a:solidFill>
-            <a:prstDash val="solid"/>
-            <a:round/>
-            <a:headEnd type="none" w="sm" len="sm"/>
-            <a:tailEnd type="none" w="sm" len="sm"/>
-          </a:ln>
+            <a:off x="311700" y="1852800"/>
+            <a:ext cx="3515502" cy="4239300"/>
+          </a:xfrm>
         </p:spPr>
         <p:txBody>
-          <a:bodyPr spcFirstLastPara="1" wrap="square" lIns="91425" tIns="91425" rIns="91425" bIns="91425" anchor="t" anchorCtr="0">
-            <a:noAutofit/>
-          </a:bodyPr>
+          <a:bodyPr/>
           <a:lstStyle/>
           <a:p>
-            <a:pPr marL="0" lvl="0" indent="0">
-              <a:spcBef>
-                <a:spcPts val="0"/>
-              </a:spcBef>
-              <a:spcAft>
-                <a:spcPts val="0"/>
-              </a:spcAft>
-              <a:buNone/>
-            </a:pPr>
-            <a:r>
-              <a:rPr lang="en-US" dirty="0"/>
-              <a:t>import </a:t>
-            </a:r>
-            <a:r>
-              <a:rPr lang="en-US" dirty="0" err="1"/>
-              <a:t>matplotlib.pyplot</a:t>
-            </a:r>
-            <a:r>
-              <a:rPr lang="en-US" dirty="0"/>
-              <a:t> as </a:t>
-            </a:r>
-            <a:r>
-              <a:rPr lang="en-US" dirty="0" err="1"/>
-              <a:t>plt</a:t>
-            </a:r>
-            <a:endParaRPr dirty="0"/>
-          </a:p>
-          <a:p>
-            <a:pPr marL="0" lvl="0" indent="0">
-              <a:spcBef>
-                <a:spcPts val="0"/>
-              </a:spcBef>
-              <a:spcAft>
-                <a:spcPts val="0"/>
-              </a:spcAft>
-              <a:buNone/>
-            </a:pPr>
-            <a:r>
-              <a:rPr lang="en-US" dirty="0"/>
-              <a:t>from </a:t>
-            </a:r>
-            <a:r>
-              <a:rPr lang="en-US" dirty="0" err="1"/>
-              <a:t>sklearn.cluster</a:t>
-            </a:r>
-            <a:r>
-              <a:rPr lang="en-US" dirty="0"/>
-              <a:t> import </a:t>
-            </a:r>
-            <a:r>
-              <a:rPr lang="en-US" dirty="0" err="1"/>
-              <a:t>KMeans</a:t>
-            </a:r>
-            <a:endParaRPr dirty="0"/>
-          </a:p>
-          <a:p>
-            <a:pPr marL="0" lvl="0" indent="0">
-              <a:spcBef>
-                <a:spcPts val="0"/>
-              </a:spcBef>
-              <a:spcAft>
-                <a:spcPts val="0"/>
-              </a:spcAft>
-              <a:buNone/>
-            </a:pPr>
-            <a:r>
-              <a:rPr lang="en-US" dirty="0"/>
-              <a:t>from </a:t>
-            </a:r>
-            <a:r>
-              <a:rPr lang="en-US" dirty="0" err="1"/>
-              <a:t>sklearn.datasets</a:t>
-            </a:r>
-            <a:r>
-              <a:rPr lang="en-US" dirty="0"/>
-              <a:t> import </a:t>
-            </a:r>
-            <a:r>
-              <a:rPr lang="en-US" dirty="0" err="1"/>
-              <a:t>make_moons</a:t>
-            </a:r>
-            <a:br>
-              <a:rPr lang="en-US" dirty="0"/>
-            </a:br>
-            <a:endParaRPr dirty="0"/>
-          </a:p>
-          <a:p>
-            <a:pPr marL="0" lvl="0" indent="0">
-              <a:spcBef>
-                <a:spcPts val="0"/>
-              </a:spcBef>
-              <a:spcAft>
-                <a:spcPts val="0"/>
-              </a:spcAft>
-              <a:buNone/>
-            </a:pPr>
-            <a:r>
-              <a:rPr lang="en-US" dirty="0"/>
-              <a:t>X, y = </a:t>
-            </a:r>
-            <a:r>
-              <a:rPr lang="en-US" dirty="0" err="1"/>
-              <a:t>make_moons</a:t>
-            </a:r>
-            <a:r>
-              <a:rPr lang="en-US" dirty="0"/>
-              <a:t>(200, noise=.05, </a:t>
-            </a:r>
-            <a:r>
-              <a:rPr lang="en-US" dirty="0" err="1"/>
-              <a:t>random_state</a:t>
-            </a:r>
-            <a:r>
-              <a:rPr lang="en-US" dirty="0"/>
-              <a:t>=0)</a:t>
-            </a:r>
-            <a:br>
-              <a:rPr lang="en-US" dirty="0"/>
-            </a:br>
-            <a:r>
-              <a:rPr lang="en-US" dirty="0"/>
-              <a:t>labels = </a:t>
-            </a:r>
-            <a:r>
-              <a:rPr lang="en-US" dirty="0" err="1"/>
-              <a:t>KMeans</a:t>
-            </a:r>
-            <a:r>
-              <a:rPr lang="en-US" dirty="0"/>
-              <a:t>(2, </a:t>
-            </a:r>
-            <a:r>
-              <a:rPr lang="en-US" dirty="0" err="1"/>
-              <a:t>random_state</a:t>
-            </a:r>
-            <a:r>
-              <a:rPr lang="en-US" dirty="0"/>
-              <a:t>=0).</a:t>
-            </a:r>
-            <a:r>
-              <a:rPr lang="en-US" dirty="0" err="1"/>
-              <a:t>fit_predict</a:t>
-            </a:r>
-            <a:r>
-              <a:rPr lang="en-US" dirty="0"/>
-              <a:t>(X)</a:t>
-            </a:r>
-            <a:br>
-              <a:rPr lang="en-US" dirty="0"/>
-            </a:br>
-            <a:r>
-              <a:rPr lang="en-US" dirty="0" err="1"/>
-              <a:t>plt.scatter</a:t>
-            </a:r>
-            <a:r>
-              <a:rPr lang="en-US" dirty="0"/>
-              <a:t>(X[:, 0], X[:, 1], c=labels, s=50, </a:t>
-            </a:r>
-            <a:r>
-              <a:rPr lang="en-US" dirty="0" err="1"/>
-              <a:t>cmap</a:t>
-            </a:r>
-            <a:r>
-              <a:rPr lang="en-US" dirty="0"/>
-              <a:t>='</a:t>
-            </a:r>
-            <a:r>
-              <a:rPr lang="en-US" dirty="0" err="1"/>
-              <a:t>viridis</a:t>
-            </a:r>
-            <a:r>
-              <a:rPr lang="en-US" dirty="0"/>
-              <a:t>');</a:t>
-            </a:r>
-            <a:endParaRPr dirty="0"/>
+            <a:r>
+              <a:rPr lang="en-US" sz="1800" dirty="0"/>
+              <a:t>K-Means does not do well with data that is not convex with non-linear boundaries</a:t>
+            </a:r>
           </a:p>
         </p:txBody>
       </p:sp>
       <p:pic>
         <p:nvPicPr>
-          <p:cNvPr id="154" name="Shape 154" descr="Unknown-7"/>
-          <p:cNvPicPr preferRelativeResize="0"/>
+          <p:cNvPr id="3" name="Picture 2">
+            <a:extLst>
+              <a:ext uri="{FF2B5EF4-FFF2-40B4-BE49-F238E27FC236}">
+                <a16:creationId xmlns:a16="http://schemas.microsoft.com/office/drawing/2014/main" id="{30FB7C35-747F-C147-BB82-5A7E2F694979}"/>
+              </a:ext>
+            </a:extLst>
+          </p:cNvPr>
+          <p:cNvPicPr>
+            <a:picLocks noChangeAspect="1"/>
+          </p:cNvPicPr>
           <p:nvPr/>
         </p:nvPicPr>
         <p:blipFill>
-          <a:blip r:embed="rId3">
-            <a:alphaModFix/>
-          </a:blip>
+          <a:blip r:embed="rId3"/>
           <a:stretch>
             <a:fillRect/>
           </a:stretch>
         </p:blipFill>
         <p:spPr>
           <a:xfrm>
-            <a:off x="3598475" y="3328875"/>
-            <a:ext cx="4705350" cy="3248025"/>
+            <a:off x="3827202" y="2896177"/>
+            <a:ext cx="4394200" cy="2755900"/>
           </a:xfrm>
           <a:prstGeom prst="rect">
             <a:avLst/>
           </a:prstGeom>
-          <a:noFill/>
-          <a:ln>
-            <a:noFill/>
-          </a:ln>
         </p:spPr>
       </p:pic>
     </p:spTree>
@@ -10967,7 +10369,7 @@
 </p:sld>
 </file>
 
-<file path=ppt/slides/slide14.xml><?xml version="1.0" encoding="utf-8"?>
+<file path=ppt/slides/slide13.xml><?xml version="1.0" encoding="utf-8"?>
 <p:sld xmlns:a="http://schemas.openxmlformats.org/drawingml/2006/main" xmlns:r="http://schemas.openxmlformats.org/officeDocument/2006/relationships" xmlns:p="http://schemas.openxmlformats.org/presentationml/2006/main">
   <p:cSld>
     <p:spTree>
@@ -11238,7 +10640,7 @@
 </p:sld>
 </file>
 
-<file path=ppt/slides/slide15.xml><?xml version="1.0" encoding="utf-8"?>
+<file path=ppt/slides/slide14.xml><?xml version="1.0" encoding="utf-8"?>
 <p:sld xmlns:a="http://schemas.openxmlformats.org/drawingml/2006/main" xmlns:r="http://schemas.openxmlformats.org/officeDocument/2006/relationships" xmlns:p="http://schemas.openxmlformats.org/presentationml/2006/main">
   <p:cSld>
     <p:spTree>
@@ -11332,10 +10734,10 @@
               <a:buNone/>
             </a:pPr>
             <a:r>
-              <a:rPr lang="en-US"/>
+              <a:rPr lang="en-US" dirty="0"/>
               <a:t>The idea is to set up 10 clusters and then each cluster should contain all the rows representing one of the digits.</a:t>
             </a:r>
-            <a:endParaRPr/>
+            <a:endParaRPr dirty="0"/>
           </a:p>
           <a:p>
             <a:pPr marL="0" lvl="0" indent="0">
@@ -11353,8 +10755,12 @@
               <a:buNone/>
             </a:pPr>
             <a:r>
+              <a:rPr lang="en-US" dirty="0"/>
+              <a:t>The result is 10 clusters in 64 dimensions. </a:t>
+            </a:r>
+            <a:r>
               <a:rPr lang="en-US"/>
-              <a:t>The result is 10 clusters in 64 dimensions. Notice that the cluster centers themselves are 64-dimensional points, and can themselves be interpreted as the "typical" digit within the cluster.</a:t>
+              <a:t>Notice that the cluster centers themselves are 64-dimensional points and can themselves be interpreted as the "typical" digit within the cluster.</a:t>
             </a:r>
             <a:endParaRPr/>
           </a:p>
@@ -11368,7 +10774,7 @@
               </a:spcAft>
               <a:buNone/>
             </a:pPr>
-            <a:endParaRPr/>
+            <a:endParaRPr dirty="0"/>
           </a:p>
         </p:txBody>
       </p:sp>
@@ -11586,7 +10992,7 @@
 </p:sld>
 </file>
 
-<file path=ppt/slides/slide16.xml><?xml version="1.0" encoding="utf-8"?>
+<file path=ppt/slides/slide15.xml><?xml version="1.0" encoding="utf-8"?>
 <p:sld xmlns:a="http://schemas.openxmlformats.org/drawingml/2006/main" xmlns:r="http://schemas.openxmlformats.org/officeDocument/2006/relationships" xmlns:p="http://schemas.openxmlformats.org/presentationml/2006/main">
   <p:cSld>
     <p:spTree>
@@ -11894,7 +11300,7 @@
 </p:sld>
 </file>
 
-<file path=ppt/slides/slide17.xml><?xml version="1.0" encoding="utf-8"?>
+<file path=ppt/slides/slide16.xml><?xml version="1.0" encoding="utf-8"?>
 <p:sld xmlns:a="http://schemas.openxmlformats.org/drawingml/2006/main" xmlns:r="http://schemas.openxmlformats.org/officeDocument/2006/relationships" xmlns:p="http://schemas.openxmlformats.org/presentationml/2006/main">
   <p:cSld>
     <p:spTree>
@@ -12051,7 +11457,7 @@
 </p:sld>
 </file>
 
-<file path=ppt/slides/slide18.xml><?xml version="1.0" encoding="utf-8"?>
+<file path=ppt/slides/slide17.xml><?xml version="1.0" encoding="utf-8"?>
 <p:sld xmlns:a="http://schemas.openxmlformats.org/drawingml/2006/main" xmlns:r="http://schemas.openxmlformats.org/officeDocument/2006/relationships" xmlns:p="http://schemas.openxmlformats.org/presentationml/2006/main">
   <p:cSld>
     <p:spTree>
@@ -12400,7 +11806,7 @@
 </p:sld>
 </file>
 
-<file path=ppt/slides/slide19.xml><?xml version="1.0" encoding="utf-8"?>
+<file path=ppt/slides/slide18.xml><?xml version="1.0" encoding="utf-8"?>
 <p:sld xmlns:a="http://schemas.openxmlformats.org/drawingml/2006/main" xmlns:r="http://schemas.openxmlformats.org/officeDocument/2006/relationships" xmlns:p="http://schemas.openxmlformats.org/presentationml/2006/main">
   <p:cSld>
     <p:spTree>
@@ -12644,6 +12050,210 @@
         </p:txBody>
       </p:sp>
     </p:spTree>
+  </p:cSld>
+  <p:clrMapOvr>
+    <a:masterClrMapping/>
+  </p:clrMapOvr>
+</p:sld>
+</file>
+
+<file path=ppt/slides/slide19.xml><?xml version="1.0" encoding="utf-8"?>
+<p:sld xmlns:a="http://schemas.openxmlformats.org/drawingml/2006/main" xmlns:r="http://schemas.openxmlformats.org/officeDocument/2006/relationships" xmlns:p="http://schemas.openxmlformats.org/presentationml/2006/main">
+  <p:cSld>
+    <p:spTree>
+      <p:nvGrpSpPr>
+        <p:cNvPr id="1" name="Shape 199"/>
+        <p:cNvGrpSpPr/>
+        <p:nvPr/>
+      </p:nvGrpSpPr>
+      <p:grpSpPr>
+        <a:xfrm>
+          <a:off x="0" y="0"/>
+          <a:ext cx="0" cy="0"/>
+          <a:chOff x="0" y="0"/>
+          <a:chExt cx="0" cy="0"/>
+        </a:xfrm>
+      </p:grpSpPr>
+      <p:sp>
+        <p:nvSpPr>
+          <p:cNvPr id="200" name="Shape 200"/>
+          <p:cNvSpPr txBox="1">
+            <a:spLocks noGrp="1"/>
+          </p:cNvSpPr>
+          <p:nvPr>
+            <p:ph type="title"/>
+          </p:nvPr>
+        </p:nvSpPr>
+        <p:spPr>
+          <a:xfrm>
+            <a:off x="311700" y="1302275"/>
+            <a:ext cx="8520600" cy="572700"/>
+          </a:xfrm>
+          <a:prstGeom prst="rect">
+            <a:avLst/>
+          </a:prstGeom>
+        </p:spPr>
+        <p:txBody>
+          <a:bodyPr spcFirstLastPara="1" wrap="square" lIns="91425" tIns="91425" rIns="91425" bIns="91425" anchor="t" anchorCtr="0">
+            <a:noAutofit/>
+          </a:bodyPr>
+          <a:lstStyle/>
+          <a:p>
+            <a:r>
+              <a:rPr lang="en"/>
+              <a:t>Final Project Proposals</a:t>
+            </a:r>
+            <a:endParaRPr/>
+          </a:p>
+        </p:txBody>
+      </p:sp>
+      <p:sp>
+        <p:nvSpPr>
+          <p:cNvPr id="201" name="Shape 201"/>
+          <p:cNvSpPr txBox="1">
+            <a:spLocks noGrp="1"/>
+          </p:cNvSpPr>
+          <p:nvPr>
+            <p:ph type="body" idx="1"/>
+          </p:nvPr>
+        </p:nvSpPr>
+        <p:spPr>
+          <a:xfrm>
+            <a:off x="311700" y="2009725"/>
+            <a:ext cx="8520600" cy="4616362"/>
+          </a:xfrm>
+          <a:prstGeom prst="rect">
+            <a:avLst/>
+          </a:prstGeom>
+        </p:spPr>
+        <p:txBody>
+          <a:bodyPr spcFirstLastPara="1" wrap="square" lIns="91425" tIns="91425" rIns="91425" bIns="91425" anchor="t" anchorCtr="0">
+            <a:normAutofit fontScale="92500" lnSpcReduction="10000"/>
+          </a:bodyPr>
+          <a:lstStyle/>
+          <a:p>
+            <a:pPr marL="0" indent="0">
+              <a:spcBef>
+                <a:spcPts val="1600"/>
+              </a:spcBef>
+              <a:buNone/>
+            </a:pPr>
+            <a:r>
+              <a:rPr lang="en-US" dirty="0"/>
+              <a:t>The </a:t>
+            </a:r>
+            <a:r>
+              <a:rPr lang="en" dirty="0"/>
+              <a:t>final project could be a (team) app (</a:t>
+            </a:r>
+            <a:r>
+              <a:rPr lang="en-US" dirty="0"/>
+              <a:t>e.g. </a:t>
+            </a:r>
+            <a:r>
+              <a:rPr lang="en" dirty="0"/>
+              <a:t>Python script that implements some non-trivial functionality with/without visualization</a:t>
+            </a:r>
+            <a:r>
+              <a:rPr lang="en-US" dirty="0"/>
+              <a:t> or an app built on your favorite platform</a:t>
+            </a:r>
+            <a:r>
+              <a:rPr lang="en" dirty="0"/>
+              <a:t>) or it can be an individual analysis project.  </a:t>
+            </a:r>
+            <a:endParaRPr dirty="0"/>
+          </a:p>
+          <a:p>
+            <a:pPr marL="0" indent="0">
+              <a:spcBef>
+                <a:spcPts val="1600"/>
+              </a:spcBef>
+              <a:spcAft>
+                <a:spcPts val="1600"/>
+              </a:spcAft>
+              <a:buNone/>
+            </a:pPr>
+            <a:r>
+              <a:rPr lang="en" dirty="0"/>
+              <a:t>However, whether app or analysis you</a:t>
+            </a:r>
+            <a:r>
+              <a:rPr lang="en-US" dirty="0"/>
+              <a:t>r</a:t>
+            </a:r>
+            <a:r>
+              <a:rPr lang="en" dirty="0"/>
+              <a:t> final project has to include some modeling aspect</a:t>
+            </a:r>
+            <a:r>
+              <a:rPr lang="en-US" dirty="0"/>
+              <a:t> </a:t>
+            </a:r>
+            <a:r>
+              <a:rPr lang="mr-IN" dirty="0"/>
+              <a:t>–</a:t>
+            </a:r>
+            <a:r>
+              <a:rPr lang="en-US" dirty="0"/>
+              <a:t> classification, regression or clustering – if you choose a straightforward analysis problem you CANNOT do a classification problem – you have to choose either a regression or clustering problem.</a:t>
+            </a:r>
+          </a:p>
+          <a:p>
+            <a:pPr marL="0" indent="0">
+              <a:spcAft>
+                <a:spcPts val="1600"/>
+              </a:spcAft>
+              <a:buNone/>
+            </a:pPr>
+            <a:r>
+              <a:rPr lang="en-US" dirty="0"/>
+              <a:t>1 to 2 page project summary with the following sections:</a:t>
+            </a:r>
+            <a:br>
+              <a:rPr lang="en-US" dirty="0"/>
+            </a:br>
+            <a:r>
+              <a:rPr lang="en-US" dirty="0"/>
+              <a:t>* Introduction</a:t>
+            </a:r>
+            <a:br>
+              <a:rPr lang="en-US" dirty="0"/>
+            </a:br>
+            <a:r>
+              <a:rPr lang="en-US" dirty="0"/>
+              <a:t>* Architecture/data used</a:t>
+            </a:r>
+            <a:br>
+              <a:rPr lang="en-US" dirty="0"/>
+            </a:br>
+            <a:r>
+              <a:rPr lang="en-US" dirty="0"/>
+              <a:t>* Technology used</a:t>
+            </a:r>
+            <a:br>
+              <a:rPr lang="en-US" dirty="0"/>
+            </a:br>
+            <a:r>
+              <a:rPr lang="en-US" dirty="0"/>
+              <a:t>* Milestone schedule</a:t>
+            </a:r>
+            <a:br>
+              <a:rPr lang="en-US" dirty="0"/>
+            </a:br>
+            <a:r>
+              <a:rPr lang="en-US" dirty="0"/>
+              <a:t>* Team members and responsibilities (if applicable, max 3 members)</a:t>
+            </a:r>
+          </a:p>
+        </p:txBody>
+      </p:sp>
+    </p:spTree>
+    <p:extLst>
+      <p:ext uri="{BB962C8B-B14F-4D97-AF65-F5344CB8AC3E}">
+        <p14:creationId xmlns:p14="http://schemas.microsoft.com/office/powerpoint/2010/main" val="377782135"/>
+      </p:ext>
+    </p:extLst>
   </p:cSld>
   <p:clrMapOvr>
     <a:masterClrMapping/>
@@ -12780,14 +12390,14 @@
               <a:buNone/>
             </a:pPr>
             <a:r>
-              <a:rPr lang="en-US" sz="2200"/>
+              <a:rPr lang="en-US" sz="2200" dirty="0"/>
               <a:t>Here we will discuss a class of unsupervised machine learning models: </a:t>
             </a:r>
             <a:r>
-              <a:rPr lang="en-US" sz="2200" i="1"/>
+              <a:rPr lang="en-US" sz="2200" i="1" dirty="0"/>
               <a:t>clustering algorithms. </a:t>
             </a:r>
-            <a:endParaRPr sz="2200" i="1"/>
+            <a:endParaRPr sz="2200" i="1" dirty="0"/>
           </a:p>
           <a:p>
             <a:pPr marL="342900" marR="0" lvl="0" indent="-245109" algn="l" rtl="0">
@@ -12808,26 +12418,26 @@
               <a:buNone/>
             </a:pPr>
             <a:r>
-              <a:rPr lang="en-US" sz="2200"/>
-              <a:t>Clustering algorithms seek to learn, from the properties of the data, an optimal </a:t>
-            </a:r>
-            <a:r>
-              <a:rPr lang="en-US" sz="2200" i="1"/>
+              <a:rPr lang="en-US" sz="2200" dirty="0"/>
+              <a:t>Clustering algorithms seek to learn, from the inherent structure of the data, an optimal </a:t>
+            </a:r>
+            <a:r>
+              <a:rPr lang="en-US" sz="2200" i="1" dirty="0"/>
               <a:t>division</a:t>
             </a:r>
             <a:r>
-              <a:rPr lang="en-US" sz="2200"/>
+              <a:rPr lang="en-US" sz="2200" dirty="0"/>
               <a:t> or discrete labeling of </a:t>
             </a:r>
             <a:r>
-              <a:rPr lang="en-US" sz="2200" i="1"/>
+              <a:rPr lang="en-US" sz="2200" i="1" dirty="0"/>
               <a:t>groups of points</a:t>
             </a:r>
             <a:r>
-              <a:rPr lang="en-US" sz="2200"/>
+              <a:rPr lang="en-US" sz="2200" dirty="0"/>
               <a:t>.</a:t>
             </a:r>
-            <a:endParaRPr sz="2200"/>
+            <a:endParaRPr sz="2200" dirty="0"/>
           </a:p>
           <a:p>
             <a:pPr marL="342900" marR="0" lvl="0" indent="-245109" algn="l" rtl="0">
@@ -12848,226 +12458,22 @@
               <a:buNone/>
             </a:pPr>
             <a:r>
-              <a:rPr lang="en-US" sz="2200"/>
+              <a:rPr lang="en-US" sz="2200" dirty="0"/>
               <a:t>Perhaps the most popular clustering algorithm is the </a:t>
             </a:r>
             <a:r>
-              <a:rPr lang="en-US" sz="2200" i="1"/>
+              <a:rPr lang="en-US" sz="2200" i="1" dirty="0"/>
               <a:t>k-means</a:t>
             </a:r>
             <a:r>
-              <a:rPr lang="en-US" sz="2200"/>
+              <a:rPr lang="en-US" sz="2200" dirty="0"/>
               <a:t> algorithm.</a:t>
             </a:r>
-            <a:endParaRPr sz="2200"/>
+            <a:endParaRPr sz="2200" dirty="0"/>
           </a:p>
         </p:txBody>
       </p:sp>
     </p:spTree>
-  </p:cSld>
-  <p:clrMapOvr>
-    <a:masterClrMapping/>
-  </p:clrMapOvr>
-</p:sld>
-</file>
-
-<file path=ppt/slides/slide20.xml><?xml version="1.0" encoding="utf-8"?>
-<p:sld xmlns:a="http://schemas.openxmlformats.org/drawingml/2006/main" xmlns:r="http://schemas.openxmlformats.org/officeDocument/2006/relationships" xmlns:p="http://schemas.openxmlformats.org/presentationml/2006/main">
-  <p:cSld>
-    <p:spTree>
-      <p:nvGrpSpPr>
-        <p:cNvPr id="1" name="Shape 199"/>
-        <p:cNvGrpSpPr/>
-        <p:nvPr/>
-      </p:nvGrpSpPr>
-      <p:grpSpPr>
-        <a:xfrm>
-          <a:off x="0" y="0"/>
-          <a:ext cx="0" cy="0"/>
-          <a:chOff x="0" y="0"/>
-          <a:chExt cx="0" cy="0"/>
-        </a:xfrm>
-      </p:grpSpPr>
-      <p:sp>
-        <p:nvSpPr>
-          <p:cNvPr id="200" name="Shape 200"/>
-          <p:cNvSpPr txBox="1">
-            <a:spLocks noGrp="1"/>
-          </p:cNvSpPr>
-          <p:nvPr>
-            <p:ph type="title"/>
-          </p:nvPr>
-        </p:nvSpPr>
-        <p:spPr>
-          <a:xfrm>
-            <a:off x="311700" y="1302275"/>
-            <a:ext cx="8520600" cy="572700"/>
-          </a:xfrm>
-          <a:prstGeom prst="rect">
-            <a:avLst/>
-          </a:prstGeom>
-        </p:spPr>
-        <p:txBody>
-          <a:bodyPr spcFirstLastPara="1" wrap="square" lIns="91425" tIns="91425" rIns="91425" bIns="91425" anchor="t" anchorCtr="0">
-            <a:noAutofit/>
-          </a:bodyPr>
-          <a:lstStyle/>
-          <a:p>
-            <a:r>
-              <a:rPr lang="en"/>
-              <a:t>Final Project Proposals</a:t>
-            </a:r>
-            <a:endParaRPr/>
-          </a:p>
-        </p:txBody>
-      </p:sp>
-      <p:sp>
-        <p:nvSpPr>
-          <p:cNvPr id="201" name="Shape 201"/>
-          <p:cNvSpPr txBox="1">
-            <a:spLocks noGrp="1"/>
-          </p:cNvSpPr>
-          <p:nvPr>
-            <p:ph type="body" idx="1"/>
-          </p:nvPr>
-        </p:nvSpPr>
-        <p:spPr>
-          <a:xfrm>
-            <a:off x="311700" y="2009725"/>
-            <a:ext cx="8520600" cy="4616362"/>
-          </a:xfrm>
-          <a:prstGeom prst="rect">
-            <a:avLst/>
-          </a:prstGeom>
-        </p:spPr>
-        <p:txBody>
-          <a:bodyPr spcFirstLastPara="1" wrap="square" lIns="91425" tIns="91425" rIns="91425" bIns="91425" anchor="t" anchorCtr="0">
-            <a:normAutofit/>
-          </a:bodyPr>
-          <a:lstStyle/>
-          <a:p>
-            <a:pPr marL="0" indent="0">
-              <a:spcBef>
-                <a:spcPts val="1600"/>
-              </a:spcBef>
-              <a:buNone/>
-            </a:pPr>
-            <a:r>
-              <a:rPr lang="en-US" dirty="0"/>
-              <a:t>The </a:t>
-            </a:r>
-            <a:r>
-              <a:rPr lang="en" dirty="0"/>
-              <a:t>final project could be a (team) app (</a:t>
-            </a:r>
-            <a:r>
-              <a:rPr lang="en-US" dirty="0"/>
-              <a:t>e.g. </a:t>
-            </a:r>
-            <a:r>
-              <a:rPr lang="en" dirty="0"/>
-              <a:t>Python script that implements some non-trivial functionality with/without visualization</a:t>
-            </a:r>
-            <a:r>
-              <a:rPr lang="en-US" dirty="0"/>
-              <a:t> or an app built on your favorite platform</a:t>
-            </a:r>
-            <a:r>
-              <a:rPr lang="en" dirty="0"/>
-              <a:t>) or it can be an individual analysis project.  </a:t>
-            </a:r>
-            <a:endParaRPr dirty="0"/>
-          </a:p>
-          <a:p>
-            <a:pPr marL="0" indent="0">
-              <a:spcBef>
-                <a:spcPts val="1600"/>
-              </a:spcBef>
-              <a:spcAft>
-                <a:spcPts val="1600"/>
-              </a:spcAft>
-              <a:buNone/>
-            </a:pPr>
-            <a:r>
-              <a:rPr lang="en" dirty="0"/>
-              <a:t>However, whether app or analysis you</a:t>
-            </a:r>
-            <a:r>
-              <a:rPr lang="en-US" dirty="0"/>
-              <a:t>r</a:t>
-            </a:r>
-            <a:r>
-              <a:rPr lang="en" dirty="0"/>
-              <a:t> final project has to include some modeling aspect</a:t>
-            </a:r>
-            <a:r>
-              <a:rPr lang="en-US" dirty="0"/>
-              <a:t> </a:t>
-            </a:r>
-            <a:r>
-              <a:rPr lang="mr-IN" dirty="0"/>
-              <a:t>–</a:t>
-            </a:r>
-            <a:r>
-              <a:rPr lang="en-US" dirty="0"/>
-              <a:t> classification, regression or clustering</a:t>
-            </a:r>
-          </a:p>
-          <a:p>
-            <a:pPr marL="0" indent="0">
-              <a:spcAft>
-                <a:spcPts val="1600"/>
-              </a:spcAft>
-              <a:buNone/>
-            </a:pPr>
-            <a:r>
-              <a:rPr lang="en-US" dirty="0"/>
-              <a:t>1 to 2 page project summary with the following sections:</a:t>
-            </a:r>
-            <a:br>
-              <a:rPr lang="en-US" dirty="0"/>
-            </a:br>
-            <a:r>
-              <a:rPr lang="en-US" dirty="0"/>
-              <a:t>* Introduction</a:t>
-            </a:r>
-            <a:br>
-              <a:rPr lang="en-US" dirty="0"/>
-            </a:br>
-            <a:r>
-              <a:rPr lang="en-US" dirty="0"/>
-              <a:t>* Architecture/data used</a:t>
-            </a:r>
-            <a:br>
-              <a:rPr lang="en-US" dirty="0"/>
-            </a:br>
-            <a:r>
-              <a:rPr lang="en-US" dirty="0"/>
-              <a:t>* Technology used</a:t>
-            </a:r>
-            <a:br>
-              <a:rPr lang="en-US" dirty="0"/>
-            </a:br>
-            <a:r>
-              <a:rPr lang="en-US" dirty="0"/>
-              <a:t>* Milestone schedule</a:t>
-            </a:r>
-            <a:br>
-              <a:rPr lang="en-US" dirty="0"/>
-            </a:br>
-            <a:r>
-              <a:rPr lang="en-US" dirty="0"/>
-              <a:t>* Team members and responsibilities (if applicable, max 3 members)</a:t>
-            </a:r>
-          </a:p>
-        </p:txBody>
-      </p:sp>
-    </p:spTree>
-    <p:extLst>
-      <p:ext uri="{BB962C8B-B14F-4D97-AF65-F5344CB8AC3E}">
-        <p14:creationId xmlns:p14="http://schemas.microsoft.com/office/powerpoint/2010/main" val="377782135"/>
-      </p:ext>
-    </p:extLst>
   </p:cSld>
   <p:clrMapOvr>
     <a:masterClrMapping/>
@@ -13206,7 +12612,23 @@
                   <a:schemeClr val="dk1"/>
                 </a:solidFill>
               </a:rPr>
-              <a:t>number of clusters within an unlabeled multidimensional dataset. </a:t>
+              <a:t>number of clusters within an unlabeled, numeric dataset – the </a:t>
+            </a:r>
+            <a:r>
+              <a:rPr lang="en-US" sz="2000" i="1" dirty="0">
+                <a:solidFill>
+                  <a:schemeClr val="dk1"/>
+                </a:solidFill>
+              </a:rPr>
+              <a:t>k</a:t>
+            </a:r>
+            <a:r>
+              <a:rPr lang="en-US" sz="2000" dirty="0">
+                <a:solidFill>
+                  <a:schemeClr val="dk1"/>
+                </a:solidFill>
+              </a:rPr>
+              <a:t> in the name.</a:t>
             </a:r>
             <a:endParaRPr sz="2000" dirty="0">
               <a:solidFill>
@@ -13279,7 +12701,23 @@
                   <a:schemeClr val="dk1"/>
                 </a:solidFill>
               </a:rPr>
-              <a:t> of all the points belonging to the cluster.</a:t>
+              <a:t> of all the points belonging to the cluster – the </a:t>
+            </a:r>
+            <a:r>
+              <a:rPr lang="en-US" sz="2000" i="1" dirty="0">
+                <a:solidFill>
+                  <a:schemeClr val="dk1"/>
+                </a:solidFill>
+              </a:rPr>
+              <a:t> mean</a:t>
+            </a:r>
+            <a:r>
+              <a:rPr lang="en-US" sz="2000" dirty="0">
+                <a:solidFill>
+                  <a:schemeClr val="dk1"/>
+                </a:solidFill>
+              </a:rPr>
+              <a:t> in the name</a:t>
             </a:r>
             <a:endParaRPr sz="2000" dirty="0">
               <a:solidFill>
@@ -13480,361 +12918,6 @@
       </p:sp>
       <p:sp>
         <p:nvSpPr>
-          <p:cNvPr id="83" name="Shape 83"/>
-          <p:cNvSpPr txBox="1"/>
-          <p:nvPr/>
-        </p:nvSpPr>
-        <p:spPr>
-          <a:xfrm>
-            <a:off x="290025" y="1365925"/>
-            <a:ext cx="5476200" cy="1245300"/>
-          </a:xfrm>
-          <a:prstGeom prst="rect">
-            <a:avLst/>
-          </a:prstGeom>
-          <a:solidFill>
-            <a:schemeClr val="lt2"/>
-          </a:solidFill>
-          <a:ln w="9525" cap="flat" cmpd="sng">
-            <a:solidFill>
-              <a:srgbClr val="000000"/>
-            </a:solidFill>
-            <a:prstDash val="solid"/>
-            <a:round/>
-            <a:headEnd type="none" w="sm" len="sm"/>
-            <a:tailEnd type="none" w="sm" len="sm"/>
-          </a:ln>
-        </p:spPr>
-        <p:txBody>
-          <a:bodyPr spcFirstLastPara="1" wrap="square" lIns="91425" tIns="91425" rIns="91425" bIns="91425" anchor="t" anchorCtr="0">
-            <a:noAutofit/>
-          </a:bodyPr>
-          <a:lstStyle/>
-          <a:p>
-            <a:pPr marL="0" lvl="0" indent="0">
-              <a:spcBef>
-                <a:spcPts val="0"/>
-              </a:spcBef>
-              <a:spcAft>
-                <a:spcPts val="0"/>
-              </a:spcAft>
-              <a:buClr>
-                <a:schemeClr val="dk1"/>
-              </a:buClr>
-              <a:buSzPts val="1100"/>
-              <a:buFont typeface="Arial"/>
-              <a:buNone/>
-            </a:pPr>
-            <a:r>
-              <a:rPr lang="en-US" sz="1100" b="1" dirty="0">
-                <a:solidFill>
-                  <a:schemeClr val="dk1"/>
-                </a:solidFill>
-              </a:rPr>
-              <a:t>f</a:t>
-            </a:r>
-            <a:r>
-              <a:rPr lang="en-US" b="1" dirty="0">
-                <a:solidFill>
-                  <a:schemeClr val="dk1"/>
-                </a:solidFill>
-              </a:rPr>
-              <a:t>rom</a:t>
-            </a:r>
-            <a:r>
-              <a:rPr lang="en-US" dirty="0">
-                <a:solidFill>
-                  <a:schemeClr val="dk1"/>
-                </a:solidFill>
-              </a:rPr>
-              <a:t> </a:t>
-            </a:r>
-            <a:r>
-              <a:rPr lang="en-US" b="1" dirty="0" err="1">
-                <a:solidFill>
-                  <a:schemeClr val="dk1"/>
-                </a:solidFill>
-              </a:rPr>
-              <a:t>sklearn.datasets.samples_generator</a:t>
-            </a:r>
-            <a:r>
-              <a:rPr lang="en-US" dirty="0">
-                <a:solidFill>
-                  <a:schemeClr val="dk1"/>
-                </a:solidFill>
-              </a:rPr>
-              <a:t> </a:t>
-            </a:r>
-            <a:r>
-              <a:rPr lang="en-US" b="1" dirty="0">
-                <a:solidFill>
-                  <a:schemeClr val="dk1"/>
-                </a:solidFill>
-              </a:rPr>
-              <a:t>import</a:t>
-            </a:r>
-            <a:r>
-              <a:rPr lang="en-US" dirty="0">
-                <a:solidFill>
-                  <a:schemeClr val="dk1"/>
-                </a:solidFill>
-              </a:rPr>
-              <a:t> </a:t>
-            </a:r>
-            <a:r>
-              <a:rPr lang="en-US" dirty="0" err="1">
-                <a:solidFill>
-                  <a:schemeClr val="dk1"/>
-                </a:solidFill>
-              </a:rPr>
-              <a:t>make_blobs</a:t>
-            </a:r>
-            <a:endParaRPr dirty="0">
-              <a:solidFill>
-                <a:schemeClr val="dk1"/>
-              </a:solidFill>
-            </a:endParaRPr>
-          </a:p>
-          <a:p>
-            <a:pPr marL="0" lvl="0" indent="0">
-              <a:spcBef>
-                <a:spcPts val="0"/>
-              </a:spcBef>
-              <a:spcAft>
-                <a:spcPts val="0"/>
-              </a:spcAft>
-              <a:buClr>
-                <a:schemeClr val="dk1"/>
-              </a:buClr>
-              <a:buSzPts val="1100"/>
-              <a:buFont typeface="Arial"/>
-              <a:buNone/>
-            </a:pPr>
-            <a:r>
-              <a:rPr lang="en-US" dirty="0">
-                <a:solidFill>
-                  <a:schemeClr val="dk1"/>
-                </a:solidFill>
-              </a:rPr>
-              <a:t>X, </a:t>
-            </a:r>
-            <a:r>
-              <a:rPr lang="en-US" dirty="0" err="1">
-                <a:solidFill>
-                  <a:schemeClr val="dk1"/>
-                </a:solidFill>
-              </a:rPr>
-              <a:t>y_true</a:t>
-            </a:r>
-            <a:r>
-              <a:rPr lang="en-US" dirty="0">
-                <a:solidFill>
-                  <a:schemeClr val="dk1"/>
-                </a:solidFill>
-              </a:rPr>
-              <a:t> = </a:t>
-            </a:r>
-            <a:r>
-              <a:rPr lang="en-US" dirty="0" err="1">
-                <a:solidFill>
-                  <a:schemeClr val="dk1"/>
-                </a:solidFill>
-              </a:rPr>
-              <a:t>make_blobs</a:t>
-            </a:r>
-            <a:r>
-              <a:rPr lang="en-US" dirty="0">
-                <a:solidFill>
-                  <a:schemeClr val="dk1"/>
-                </a:solidFill>
-              </a:rPr>
-              <a:t>(</a:t>
-            </a:r>
-            <a:r>
-              <a:rPr lang="en-US" dirty="0" err="1">
-                <a:solidFill>
-                  <a:schemeClr val="dk1"/>
-                </a:solidFill>
-              </a:rPr>
-              <a:t>n_samples</a:t>
-            </a:r>
-            <a:r>
-              <a:rPr lang="en-US" dirty="0">
-                <a:solidFill>
-                  <a:schemeClr val="dk1"/>
-                </a:solidFill>
-              </a:rPr>
-              <a:t>=300, centers=4,</a:t>
-            </a:r>
-            <a:endParaRPr dirty="0">
-              <a:solidFill>
-                <a:schemeClr val="dk1"/>
-              </a:solidFill>
-            </a:endParaRPr>
-          </a:p>
-          <a:p>
-            <a:pPr marL="0" lvl="0" indent="0">
-              <a:spcBef>
-                <a:spcPts val="0"/>
-              </a:spcBef>
-              <a:spcAft>
-                <a:spcPts val="0"/>
-              </a:spcAft>
-              <a:buClr>
-                <a:schemeClr val="dk1"/>
-              </a:buClr>
-              <a:buSzPts val="1100"/>
-              <a:buFont typeface="Arial"/>
-              <a:buNone/>
-            </a:pPr>
-            <a:r>
-              <a:rPr lang="en-US" dirty="0">
-                <a:solidFill>
-                  <a:schemeClr val="dk1"/>
-                </a:solidFill>
-              </a:rPr>
-              <a:t>                       </a:t>
-            </a:r>
-            <a:r>
-              <a:rPr lang="en-US" dirty="0" err="1">
-                <a:solidFill>
-                  <a:schemeClr val="dk1"/>
-                </a:solidFill>
-              </a:rPr>
-              <a:t>cluster_std</a:t>
-            </a:r>
-            <a:r>
-              <a:rPr lang="en-US" dirty="0">
-                <a:solidFill>
-                  <a:schemeClr val="dk1"/>
-                </a:solidFill>
-              </a:rPr>
-              <a:t>=0.60, </a:t>
-            </a:r>
-            <a:r>
-              <a:rPr lang="en-US" dirty="0" err="1">
-                <a:solidFill>
-                  <a:schemeClr val="dk1"/>
-                </a:solidFill>
-              </a:rPr>
-              <a:t>random_state</a:t>
-            </a:r>
-            <a:r>
-              <a:rPr lang="en-US" dirty="0">
-                <a:solidFill>
-                  <a:schemeClr val="dk1"/>
-                </a:solidFill>
-              </a:rPr>
-              <a:t>=0)</a:t>
-            </a:r>
-            <a:endParaRPr dirty="0">
-              <a:solidFill>
-                <a:schemeClr val="dk1"/>
-              </a:solidFill>
-            </a:endParaRPr>
-          </a:p>
-          <a:p>
-            <a:pPr marL="0" lvl="0" indent="0">
-              <a:spcBef>
-                <a:spcPts val="0"/>
-              </a:spcBef>
-              <a:spcAft>
-                <a:spcPts val="0"/>
-              </a:spcAft>
-              <a:buClr>
-                <a:schemeClr val="dk1"/>
-              </a:buClr>
-              <a:buSzPts val="1100"/>
-              <a:buFont typeface="Arial"/>
-              <a:buNone/>
-            </a:pPr>
-            <a:r>
-              <a:rPr lang="en-US" dirty="0" err="1">
-                <a:solidFill>
-                  <a:schemeClr val="dk1"/>
-                </a:solidFill>
-              </a:rPr>
-              <a:t>plt.scatter</a:t>
-            </a:r>
-            <a:r>
-              <a:rPr lang="en-US" dirty="0">
-                <a:solidFill>
-                  <a:schemeClr val="dk1"/>
-                </a:solidFill>
-              </a:rPr>
-              <a:t>(X[:, 0], X[:, 1], s=50);</a:t>
-            </a:r>
-            <a:endParaRPr dirty="0">
-              <a:solidFill>
-                <a:schemeClr val="dk1"/>
-              </a:solidFill>
-            </a:endParaRPr>
-          </a:p>
-          <a:p>
-            <a:pPr marL="0" lvl="0" indent="0">
-              <a:spcBef>
-                <a:spcPts val="0"/>
-              </a:spcBef>
-              <a:spcAft>
-                <a:spcPts val="0"/>
-              </a:spcAft>
-              <a:buClr>
-                <a:schemeClr val="dk1"/>
-              </a:buClr>
-              <a:buSzPts val="1100"/>
-              <a:buFont typeface="Arial"/>
-              <a:buNone/>
-            </a:pPr>
-            <a:endParaRPr dirty="0">
-              <a:solidFill>
-                <a:schemeClr val="dk1"/>
-              </a:solidFill>
-            </a:endParaRPr>
-          </a:p>
-          <a:p>
-            <a:pPr marL="0" lvl="0" indent="0">
-              <a:spcBef>
-                <a:spcPts val="0"/>
-              </a:spcBef>
-              <a:spcAft>
-                <a:spcPts val="0"/>
-              </a:spcAft>
-              <a:buNone/>
-            </a:pPr>
-            <a:endParaRPr dirty="0"/>
-          </a:p>
-        </p:txBody>
-      </p:sp>
-      <p:pic>
-        <p:nvPicPr>
-          <p:cNvPr id="84" name="Shape 84" descr="Unknown-5"/>
-          <p:cNvPicPr preferRelativeResize="0"/>
-          <p:nvPr/>
-        </p:nvPicPr>
-        <p:blipFill>
-          <a:blip r:embed="rId3">
-            <a:alphaModFix/>
-          </a:blip>
-          <a:stretch>
-            <a:fillRect/>
-          </a:stretch>
-        </p:blipFill>
-        <p:spPr>
-          <a:xfrm>
-            <a:off x="3734950" y="3087775"/>
-            <a:ext cx="4591050" cy="3248025"/>
-          </a:xfrm>
-          <a:prstGeom prst="rect">
-            <a:avLst/>
-          </a:prstGeom>
-          <a:noFill/>
-          <a:ln>
-            <a:noFill/>
-          </a:ln>
-        </p:spPr>
-      </p:pic>
-      <p:sp>
-        <p:nvSpPr>
           <p:cNvPr id="2" name="TextBox 1"/>
           <p:cNvSpPr txBox="1"/>
           <p:nvPr/>
@@ -13869,6 +12952,66 @@
           </a:p>
         </p:txBody>
       </p:sp>
+      <p:pic>
+        <p:nvPicPr>
+          <p:cNvPr id="3" name="Picture 2">
+            <a:extLst>
+              <a:ext uri="{FF2B5EF4-FFF2-40B4-BE49-F238E27FC236}">
+                <a16:creationId xmlns:a16="http://schemas.microsoft.com/office/drawing/2014/main" id="{666BAC12-F25A-0040-B0D1-0B75DF8137C8}"/>
+              </a:ext>
+            </a:extLst>
+          </p:cNvPr>
+          <p:cNvPicPr>
+            <a:picLocks noChangeAspect="1"/>
+          </p:cNvPicPr>
+          <p:nvPr/>
+        </p:nvPicPr>
+        <p:blipFill>
+          <a:blip r:embed="rId3"/>
+          <a:stretch>
+            <a:fillRect/>
+          </a:stretch>
+        </p:blipFill>
+        <p:spPr>
+          <a:xfrm>
+            <a:off x="424070" y="1433067"/>
+            <a:ext cx="4191000" cy="2781300"/>
+          </a:xfrm>
+          <a:prstGeom prst="rect">
+            <a:avLst/>
+          </a:prstGeom>
+        </p:spPr>
+      </p:pic>
+      <p:pic>
+        <p:nvPicPr>
+          <p:cNvPr id="4" name="Picture 3">
+            <a:extLst>
+              <a:ext uri="{FF2B5EF4-FFF2-40B4-BE49-F238E27FC236}">
+                <a16:creationId xmlns:a16="http://schemas.microsoft.com/office/drawing/2014/main" id="{04CE5169-D746-E64D-A5F2-EA6284996A70}"/>
+              </a:ext>
+            </a:extLst>
+          </p:cNvPr>
+          <p:cNvPicPr>
+            <a:picLocks noChangeAspect="1"/>
+          </p:cNvPicPr>
+          <p:nvPr/>
+        </p:nvPicPr>
+        <p:blipFill>
+          <a:blip r:embed="rId4"/>
+          <a:stretch>
+            <a:fillRect/>
+          </a:stretch>
+        </p:blipFill>
+        <p:spPr>
+          <a:xfrm>
+            <a:off x="4388427" y="3320473"/>
+            <a:ext cx="4191000" cy="2794000"/>
+          </a:xfrm>
+          <a:prstGeom prst="rect">
+            <a:avLst/>
+          </a:prstGeom>
+        </p:spPr>
+      </p:pic>
     </p:spTree>
   </p:cSld>
   <p:clrMapOvr>
@@ -13878,520 +13021,6 @@
 </file>
 
 <file path=ppt/slides/slide5.xml><?xml version="1.0" encoding="utf-8"?>
-<p:sld xmlns:a="http://schemas.openxmlformats.org/drawingml/2006/main" xmlns:r="http://schemas.openxmlformats.org/officeDocument/2006/relationships" xmlns:p="http://schemas.openxmlformats.org/presentationml/2006/main">
-  <p:cSld>
-    <p:spTree>
-      <p:nvGrpSpPr>
-        <p:cNvPr id="1" name="Shape 89"/>
-        <p:cNvGrpSpPr/>
-        <p:nvPr/>
-      </p:nvGrpSpPr>
-      <p:grpSpPr>
-        <a:xfrm>
-          <a:off x="0" y="0"/>
-          <a:ext cx="0" cy="0"/>
-          <a:chOff x="0" y="0"/>
-          <a:chExt cx="0" cy="0"/>
-        </a:xfrm>
-      </p:grpSpPr>
-      <p:sp>
-        <p:nvSpPr>
-          <p:cNvPr id="90" name="Shape 90"/>
-          <p:cNvSpPr txBox="1">
-            <a:spLocks noGrp="1"/>
-          </p:cNvSpPr>
-          <p:nvPr>
-            <p:ph type="title"/>
-          </p:nvPr>
-        </p:nvSpPr>
-        <p:spPr>
-          <a:xfrm>
-            <a:off x="311700" y="593367"/>
-            <a:ext cx="8520600" cy="763500"/>
-          </a:xfrm>
-          <a:prstGeom prst="rect">
-            <a:avLst/>
-          </a:prstGeom>
-        </p:spPr>
-        <p:txBody>
-          <a:bodyPr spcFirstLastPara="1" wrap="square" lIns="91425" tIns="91425" rIns="91425" bIns="91425" anchor="t" anchorCtr="0">
-            <a:noAutofit/>
-          </a:bodyPr>
-          <a:lstStyle/>
-          <a:p>
-            <a:pPr marL="0" lvl="0" indent="0" rtl="0">
-              <a:spcBef>
-                <a:spcPts val="0"/>
-              </a:spcBef>
-              <a:spcAft>
-                <a:spcPts val="0"/>
-              </a:spcAft>
-              <a:buNone/>
-            </a:pPr>
-            <a:r>
-              <a:rPr lang="en-US"/>
-              <a:t>The k-Means Algorithm</a:t>
-            </a:r>
-            <a:endParaRPr/>
-          </a:p>
-        </p:txBody>
-      </p:sp>
-      <p:sp>
-        <p:nvSpPr>
-          <p:cNvPr id="91" name="Shape 91"/>
-          <p:cNvSpPr txBox="1"/>
-          <p:nvPr/>
-        </p:nvSpPr>
-        <p:spPr>
-          <a:xfrm>
-            <a:off x="290025" y="1365925"/>
-            <a:ext cx="5476200" cy="1824300"/>
-          </a:xfrm>
-          <a:prstGeom prst="rect">
-            <a:avLst/>
-          </a:prstGeom>
-          <a:solidFill>
-            <a:schemeClr val="lt2"/>
-          </a:solidFill>
-          <a:ln w="9525" cap="flat" cmpd="sng">
-            <a:solidFill>
-              <a:srgbClr val="000000"/>
-            </a:solidFill>
-            <a:prstDash val="solid"/>
-            <a:round/>
-            <a:headEnd type="none" w="sm" len="sm"/>
-            <a:tailEnd type="none" w="sm" len="sm"/>
-          </a:ln>
-        </p:spPr>
-        <p:txBody>
-          <a:bodyPr spcFirstLastPara="1" wrap="square" lIns="91425" tIns="91425" rIns="91425" bIns="91425" anchor="t" anchorCtr="0">
-            <a:noAutofit/>
-          </a:bodyPr>
-          <a:lstStyle/>
-          <a:p>
-            <a:pPr marL="0" lvl="0" indent="0">
-              <a:spcBef>
-                <a:spcPts val="0"/>
-              </a:spcBef>
-              <a:spcAft>
-                <a:spcPts val="0"/>
-              </a:spcAft>
-              <a:buNone/>
-            </a:pPr>
-            <a:r>
-              <a:rPr lang="en-US" b="1" dirty="0">
-                <a:solidFill>
-                  <a:schemeClr val="dk1"/>
-                </a:solidFill>
-              </a:rPr>
-              <a:t>from</a:t>
-            </a:r>
-            <a:r>
-              <a:rPr lang="en-US" dirty="0">
-                <a:solidFill>
-                  <a:schemeClr val="dk1"/>
-                </a:solidFill>
-              </a:rPr>
-              <a:t> </a:t>
-            </a:r>
-            <a:r>
-              <a:rPr lang="en-US" b="1" dirty="0" err="1">
-                <a:solidFill>
-                  <a:schemeClr val="dk1"/>
-                </a:solidFill>
-              </a:rPr>
-              <a:t>sklearn.cluster</a:t>
-            </a:r>
-            <a:r>
-              <a:rPr lang="en-US" dirty="0">
-                <a:solidFill>
-                  <a:schemeClr val="dk1"/>
-                </a:solidFill>
-              </a:rPr>
-              <a:t> </a:t>
-            </a:r>
-            <a:r>
-              <a:rPr lang="en-US" b="1" dirty="0">
-                <a:solidFill>
-                  <a:schemeClr val="dk1"/>
-                </a:solidFill>
-              </a:rPr>
-              <a:t>import</a:t>
-            </a:r>
-            <a:r>
-              <a:rPr lang="en-US" dirty="0">
-                <a:solidFill>
-                  <a:schemeClr val="dk1"/>
-                </a:solidFill>
-              </a:rPr>
-              <a:t> </a:t>
-            </a:r>
-            <a:r>
-              <a:rPr lang="en-US" dirty="0" err="1">
-                <a:solidFill>
-                  <a:schemeClr val="dk1"/>
-                </a:solidFill>
-              </a:rPr>
-              <a:t>KMeans</a:t>
-            </a:r>
-            <a:endParaRPr dirty="0">
-              <a:solidFill>
-                <a:schemeClr val="dk1"/>
-              </a:solidFill>
-            </a:endParaRPr>
-          </a:p>
-          <a:p>
-            <a:pPr marL="0" lvl="0" indent="0">
-              <a:spcBef>
-                <a:spcPts val="0"/>
-              </a:spcBef>
-              <a:spcAft>
-                <a:spcPts val="0"/>
-              </a:spcAft>
-              <a:buNone/>
-            </a:pPr>
-            <a:r>
-              <a:rPr lang="en-US" dirty="0" err="1">
-                <a:solidFill>
-                  <a:schemeClr val="dk1"/>
-                </a:solidFill>
-              </a:rPr>
-              <a:t>kmeans</a:t>
-            </a:r>
-            <a:r>
-              <a:rPr lang="en-US" dirty="0">
-                <a:solidFill>
-                  <a:schemeClr val="dk1"/>
-                </a:solidFill>
-              </a:rPr>
-              <a:t> = </a:t>
-            </a:r>
-            <a:r>
-              <a:rPr lang="en-US" dirty="0" err="1">
-                <a:solidFill>
-                  <a:srgbClr val="FF0000"/>
-                </a:solidFill>
-              </a:rPr>
-              <a:t>KMeans</a:t>
-            </a:r>
-            <a:r>
-              <a:rPr lang="en-US" dirty="0">
-                <a:solidFill>
-                  <a:srgbClr val="FF0000"/>
-                </a:solidFill>
-              </a:rPr>
-              <a:t>(</a:t>
-            </a:r>
-            <a:r>
-              <a:rPr lang="en-US" dirty="0" err="1">
-                <a:solidFill>
-                  <a:srgbClr val="FF0000"/>
-                </a:solidFill>
-              </a:rPr>
-              <a:t>n_clusters</a:t>
-            </a:r>
-            <a:r>
-              <a:rPr lang="en-US" dirty="0">
-                <a:solidFill>
-                  <a:srgbClr val="FF0000"/>
-                </a:solidFill>
-              </a:rPr>
-              <a:t>=4)</a:t>
-            </a:r>
-            <a:endParaRPr dirty="0">
-              <a:solidFill>
-                <a:srgbClr val="FF0000"/>
-              </a:solidFill>
-            </a:endParaRPr>
-          </a:p>
-          <a:p>
-            <a:pPr marL="0" lvl="0" indent="0">
-              <a:spcBef>
-                <a:spcPts val="0"/>
-              </a:spcBef>
-              <a:spcAft>
-                <a:spcPts val="0"/>
-              </a:spcAft>
-              <a:buNone/>
-            </a:pPr>
-            <a:r>
-              <a:rPr lang="en-US" dirty="0" err="1">
-                <a:solidFill>
-                  <a:schemeClr val="dk1"/>
-                </a:solidFill>
-              </a:rPr>
-              <a:t>kmeans.fit</a:t>
-            </a:r>
-            <a:r>
-              <a:rPr lang="en-US" dirty="0">
-                <a:solidFill>
-                  <a:schemeClr val="dk1"/>
-                </a:solidFill>
-              </a:rPr>
-              <a:t>(X)</a:t>
-            </a:r>
-            <a:endParaRPr dirty="0">
-              <a:solidFill>
-                <a:schemeClr val="dk1"/>
-              </a:solidFill>
-            </a:endParaRPr>
-          </a:p>
-          <a:p>
-            <a:pPr marL="0" lvl="0" indent="0">
-              <a:spcBef>
-                <a:spcPts val="0"/>
-              </a:spcBef>
-              <a:spcAft>
-                <a:spcPts val="0"/>
-              </a:spcAft>
-              <a:buNone/>
-            </a:pPr>
-            <a:r>
-              <a:rPr lang="en-US" dirty="0" err="1">
-                <a:solidFill>
-                  <a:schemeClr val="dk1"/>
-                </a:solidFill>
-              </a:rPr>
-              <a:t>y_kmeans</a:t>
-            </a:r>
-            <a:r>
-              <a:rPr lang="en-US" dirty="0">
-                <a:solidFill>
-                  <a:schemeClr val="dk1"/>
-                </a:solidFill>
-              </a:rPr>
-              <a:t> = </a:t>
-            </a:r>
-            <a:r>
-              <a:rPr lang="en-US" dirty="0" err="1">
-                <a:solidFill>
-                  <a:schemeClr val="dk1"/>
-                </a:solidFill>
-              </a:rPr>
-              <a:t>kmeans.predict</a:t>
-            </a:r>
-            <a:r>
-              <a:rPr lang="en-US" dirty="0">
-                <a:solidFill>
-                  <a:schemeClr val="dk1"/>
-                </a:solidFill>
-              </a:rPr>
-              <a:t>(X)</a:t>
-            </a:r>
-            <a:endParaRPr dirty="0">
-              <a:solidFill>
-                <a:schemeClr val="dk1"/>
-              </a:solidFill>
-            </a:endParaRPr>
-          </a:p>
-          <a:p>
-            <a:pPr marL="0" lvl="0" indent="0" rtl="0">
-              <a:spcBef>
-                <a:spcPts val="0"/>
-              </a:spcBef>
-              <a:spcAft>
-                <a:spcPts val="0"/>
-              </a:spcAft>
-              <a:buNone/>
-            </a:pPr>
-            <a:endParaRPr b="1" dirty="0">
-              <a:solidFill>
-                <a:schemeClr val="dk1"/>
-              </a:solidFill>
-            </a:endParaRPr>
-          </a:p>
-          <a:p>
-            <a:pPr marL="0" lvl="0" indent="0" rtl="0">
-              <a:spcBef>
-                <a:spcPts val="0"/>
-              </a:spcBef>
-              <a:spcAft>
-                <a:spcPts val="0"/>
-              </a:spcAft>
-              <a:buNone/>
-            </a:pPr>
-            <a:r>
-              <a:rPr lang="en-US" dirty="0" err="1">
-                <a:solidFill>
-                  <a:schemeClr val="dk1"/>
-                </a:solidFill>
-              </a:rPr>
-              <a:t>plt.scatter</a:t>
-            </a:r>
-            <a:r>
-              <a:rPr lang="en-US" dirty="0">
-                <a:solidFill>
-                  <a:schemeClr val="dk1"/>
-                </a:solidFill>
-              </a:rPr>
-              <a:t>(X[:, 0], X[:, 1], c=</a:t>
-            </a:r>
-            <a:r>
-              <a:rPr lang="en-US" dirty="0" err="1">
-                <a:solidFill>
-                  <a:schemeClr val="dk1"/>
-                </a:solidFill>
-              </a:rPr>
-              <a:t>y_kmeans</a:t>
-            </a:r>
-            <a:r>
-              <a:rPr lang="en-US" dirty="0">
-                <a:solidFill>
-                  <a:schemeClr val="dk1"/>
-                </a:solidFill>
-              </a:rPr>
-              <a:t>, s=50, </a:t>
-            </a:r>
-            <a:r>
-              <a:rPr lang="en-US" dirty="0" err="1">
-                <a:solidFill>
-                  <a:schemeClr val="dk1"/>
-                </a:solidFill>
-              </a:rPr>
-              <a:t>cmap</a:t>
-            </a:r>
-            <a:r>
-              <a:rPr lang="en-US" dirty="0">
-                <a:solidFill>
-                  <a:schemeClr val="dk1"/>
-                </a:solidFill>
-              </a:rPr>
-              <a:t>='</a:t>
-            </a:r>
-            <a:r>
-              <a:rPr lang="en-US" dirty="0" err="1">
-                <a:solidFill>
-                  <a:schemeClr val="dk1"/>
-                </a:solidFill>
-              </a:rPr>
-              <a:t>viridis</a:t>
-            </a:r>
-            <a:r>
-              <a:rPr lang="en-US" dirty="0">
-                <a:solidFill>
-                  <a:schemeClr val="dk1"/>
-                </a:solidFill>
-              </a:rPr>
-              <a:t>')</a:t>
-            </a:r>
-            <a:br>
-              <a:rPr lang="en-US" dirty="0">
-                <a:solidFill>
-                  <a:schemeClr val="dk1"/>
-                </a:solidFill>
-              </a:rPr>
-            </a:br>
-            <a:r>
-              <a:rPr lang="en-US" dirty="0">
-                <a:solidFill>
-                  <a:schemeClr val="dk1"/>
-                </a:solidFill>
-              </a:rPr>
-              <a:t>centers = </a:t>
-            </a:r>
-            <a:r>
-              <a:rPr lang="en-US" dirty="0" err="1">
-                <a:solidFill>
-                  <a:srgbClr val="FF0000"/>
-                </a:solidFill>
-              </a:rPr>
-              <a:t>kmeans.cluster_centers</a:t>
-            </a:r>
-            <a:r>
-              <a:rPr lang="en-US" dirty="0">
-                <a:solidFill>
-                  <a:srgbClr val="FF0000"/>
-                </a:solidFill>
-              </a:rPr>
-              <a:t>_</a:t>
-            </a:r>
-            <a:br>
-              <a:rPr lang="en-US" dirty="0">
-                <a:solidFill>
-                  <a:srgbClr val="FF0000"/>
-                </a:solidFill>
-              </a:rPr>
-            </a:br>
-            <a:r>
-              <a:rPr lang="en-US" dirty="0" err="1">
-                <a:solidFill>
-                  <a:schemeClr val="dk1"/>
-                </a:solidFill>
-              </a:rPr>
-              <a:t>plt.scatter</a:t>
-            </a:r>
-            <a:r>
-              <a:rPr lang="en-US" dirty="0">
-                <a:solidFill>
-                  <a:schemeClr val="dk1"/>
-                </a:solidFill>
-              </a:rPr>
-              <a:t>(centers[:, 0], centers[:, 1], c='black', s=200, alpha=0.5);</a:t>
-            </a:r>
-            <a:br>
-              <a:rPr lang="en-US" dirty="0">
-                <a:solidFill>
-                  <a:schemeClr val="dk1"/>
-                </a:solidFill>
-              </a:rPr>
-            </a:br>
-            <a:endParaRPr dirty="0">
-              <a:solidFill>
-                <a:schemeClr val="dk1"/>
-              </a:solidFill>
-            </a:endParaRPr>
-          </a:p>
-          <a:p>
-            <a:pPr marL="0" lvl="0" indent="0" rtl="0">
-              <a:spcBef>
-                <a:spcPts val="0"/>
-              </a:spcBef>
-              <a:spcAft>
-                <a:spcPts val="0"/>
-              </a:spcAft>
-              <a:buNone/>
-            </a:pPr>
-            <a:endParaRPr dirty="0"/>
-          </a:p>
-        </p:txBody>
-      </p:sp>
-      <p:pic>
-        <p:nvPicPr>
-          <p:cNvPr id="92" name="Shape 92" descr="Unknown-6"/>
-          <p:cNvPicPr preferRelativeResize="0"/>
-          <p:nvPr/>
-        </p:nvPicPr>
-        <p:blipFill>
-          <a:blip r:embed="rId3">
-            <a:alphaModFix/>
-          </a:blip>
-          <a:stretch>
-            <a:fillRect/>
-          </a:stretch>
-        </p:blipFill>
-        <p:spPr>
-          <a:xfrm>
-            <a:off x="3615500" y="3342625"/>
-            <a:ext cx="4591050" cy="3248025"/>
-          </a:xfrm>
-          <a:prstGeom prst="rect">
-            <a:avLst/>
-          </a:prstGeom>
-          <a:noFill/>
-          <a:ln>
-            <a:noFill/>
-          </a:ln>
-        </p:spPr>
-      </p:pic>
-    </p:spTree>
-  </p:cSld>
-  <p:clrMapOvr>
-    <a:masterClrMapping/>
-  </p:clrMapOvr>
-</p:sld>
-</file>
-
-<file path=ppt/slides/slide6.xml><?xml version="1.0" encoding="utf-8"?>
 <p:sld xmlns:a="http://schemas.openxmlformats.org/drawingml/2006/main" xmlns:r="http://schemas.openxmlformats.org/officeDocument/2006/relationships" xmlns:p="http://schemas.openxmlformats.org/presentationml/2006/main">
   <p:cSld>
     <p:spTree>
@@ -14738,7 +13367,7 @@
 </p:sld>
 </file>
 
-<file path=ppt/slides/slide7.xml><?xml version="1.0" encoding="utf-8"?>
+<file path=ppt/slides/slide6.xml><?xml version="1.0" encoding="utf-8"?>
 <p:sld xmlns:a="http://schemas.openxmlformats.org/drawingml/2006/main" xmlns:r="http://schemas.openxmlformats.org/officeDocument/2006/relationships" xmlns:p="http://schemas.openxmlformats.org/presentationml/2006/main">
   <p:cSld>
     <p:bg>
@@ -14928,7 +13557,7 @@
 </p:sld>
 </file>
 
-<file path=ppt/slides/slide8.xml><?xml version="1.0" encoding="utf-8"?>
+<file path=ppt/slides/slide7.xml><?xml version="1.0" encoding="utf-8"?>
 <p:sld xmlns:a="http://schemas.openxmlformats.org/drawingml/2006/main" xmlns:r="http://schemas.openxmlformats.org/officeDocument/2006/relationships" xmlns:p="http://schemas.openxmlformats.org/presentationml/2006/main">
   <p:cSld>
     <p:spTree>
@@ -14990,27 +13619,39 @@
           <a:lstStyle/>
           <a:p>
             <a:r>
-              <a:rPr lang="en-US" dirty="0"/>
+              <a:rPr lang="en-US" dirty="0">
+                <a:hlinkClick r:id="rId2"/>
+              </a:rPr>
               <a:t>http://</a:t>
             </a:r>
             <a:r>
-              <a:rPr lang="en-US" dirty="0" err="1"/>
+              <a:rPr lang="en-US" dirty="0" err="1">
+                <a:hlinkClick r:id="rId2"/>
+              </a:rPr>
               <a:t>stanford.edu</a:t>
             </a:r>
             <a:r>
-              <a:rPr lang="en-US" dirty="0"/>
+              <a:rPr lang="en-US" dirty="0">
+                <a:hlinkClick r:id="rId2"/>
+              </a:rPr>
               <a:t>/class/ee103/visualizations/</a:t>
             </a:r>
             <a:r>
-              <a:rPr lang="en-US" dirty="0" err="1"/>
+              <a:rPr lang="en-US" dirty="0" err="1">
+                <a:hlinkClick r:id="rId2"/>
+              </a:rPr>
               <a:t>kmeans</a:t>
             </a:r>
             <a:r>
-              <a:rPr lang="en-US" dirty="0"/>
+              <a:rPr lang="en-US" dirty="0">
+                <a:hlinkClick r:id="rId2"/>
+              </a:rPr>
               <a:t>/</a:t>
             </a:r>
             <a:r>
-              <a:rPr lang="en-US" dirty="0" err="1"/>
+              <a:rPr lang="en-US" dirty="0" err="1">
+                <a:hlinkClick r:id="rId2"/>
+              </a:rPr>
               <a:t>kmeans.html</a:t>
             </a:r>
             <a:endParaRPr lang="en-US" dirty="0"/>
@@ -15030,7 +13671,7 @@
 </p:sld>
 </file>
 
-<file path=ppt/slides/slide9.xml><?xml version="1.0" encoding="utf-8"?>
+<file path=ppt/slides/slide8.xml><?xml version="1.0" encoding="utf-8"?>
 <p:sld xmlns:a="http://schemas.openxmlformats.org/drawingml/2006/main" xmlns:r="http://schemas.openxmlformats.org/officeDocument/2006/relationships" xmlns:p="http://schemas.openxmlformats.org/presentationml/2006/main">
   <p:cSld>
     <p:bg>
@@ -15376,6 +14017,145 @@
           </a:p>
         </p:txBody>
       </p:sp>
+    </p:spTree>
+  </p:cSld>
+  <p:clrMapOvr>
+    <a:masterClrMapping/>
+  </p:clrMapOvr>
+</p:sld>
+</file>
+
+<file path=ppt/slides/slide9.xml><?xml version="1.0" encoding="utf-8"?>
+<p:sld xmlns:a="http://schemas.openxmlformats.org/drawingml/2006/main" xmlns:r="http://schemas.openxmlformats.org/officeDocument/2006/relationships" xmlns:p="http://schemas.openxmlformats.org/presentationml/2006/main">
+  <p:cSld>
+    <p:spTree>
+      <p:nvGrpSpPr>
+        <p:cNvPr id="1" name="Shape 124"/>
+        <p:cNvGrpSpPr/>
+        <p:nvPr/>
+      </p:nvGrpSpPr>
+      <p:grpSpPr>
+        <a:xfrm>
+          <a:off x="0" y="0"/>
+          <a:ext cx="0" cy="0"/>
+          <a:chOff x="0" y="0"/>
+          <a:chExt cx="0" cy="0"/>
+        </a:xfrm>
+      </p:grpSpPr>
+      <p:sp>
+        <p:nvSpPr>
+          <p:cNvPr id="125" name="Shape 125"/>
+          <p:cNvSpPr txBox="1">
+            <a:spLocks noGrp="1"/>
+          </p:cNvSpPr>
+          <p:nvPr>
+            <p:ph type="title"/>
+          </p:nvPr>
+        </p:nvSpPr>
+        <p:spPr>
+          <a:xfrm>
+            <a:off x="311700" y="593367"/>
+            <a:ext cx="8520600" cy="763500"/>
+          </a:xfrm>
+          <a:prstGeom prst="rect">
+            <a:avLst/>
+          </a:prstGeom>
+        </p:spPr>
+        <p:txBody>
+          <a:bodyPr spcFirstLastPara="1" wrap="square" lIns="91425" tIns="91425" rIns="91425" bIns="91425" anchor="t" anchorCtr="0">
+            <a:noAutofit/>
+          </a:bodyPr>
+          <a:lstStyle/>
+          <a:p>
+            <a:pPr marL="0" lvl="0" indent="0">
+              <a:spcBef>
+                <a:spcPts val="0"/>
+              </a:spcBef>
+              <a:spcAft>
+                <a:spcPts val="0"/>
+              </a:spcAft>
+              <a:buNone/>
+            </a:pPr>
+            <a:r>
+              <a:rPr lang="en-US"/>
+              <a:t>k-Means: selection of k</a:t>
+            </a:r>
+            <a:endParaRPr/>
+          </a:p>
+        </p:txBody>
+      </p:sp>
+      <p:sp>
+        <p:nvSpPr>
+          <p:cNvPr id="126" name="Shape 126"/>
+          <p:cNvSpPr txBox="1">
+            <a:spLocks noGrp="1"/>
+          </p:cNvSpPr>
+          <p:nvPr>
+            <p:ph type="body" idx="1"/>
+          </p:nvPr>
+        </p:nvSpPr>
+        <p:spPr>
+          <a:xfrm>
+            <a:off x="311700" y="1536632"/>
+            <a:ext cx="8520600" cy="476400"/>
+          </a:xfrm>
+          <a:prstGeom prst="rect">
+            <a:avLst/>
+          </a:prstGeom>
+        </p:spPr>
+        <p:txBody>
+          <a:bodyPr spcFirstLastPara="1" wrap="square" lIns="91425" tIns="91425" rIns="91425" bIns="91425" anchor="t" anchorCtr="0">
+            <a:noAutofit/>
+          </a:bodyPr>
+          <a:lstStyle/>
+          <a:p>
+            <a:pPr marL="0" lvl="0" indent="0">
+              <a:spcBef>
+                <a:spcPts val="0"/>
+              </a:spcBef>
+              <a:spcAft>
+                <a:spcPts val="1600"/>
+              </a:spcAft>
+              <a:buNone/>
+            </a:pPr>
+            <a:r>
+              <a:rPr lang="en-US" dirty="0"/>
+              <a:t>The selection of k can have a serious effect on the quality of your clusters - demo</a:t>
+            </a:r>
+            <a:endParaRPr dirty="0"/>
+          </a:p>
+        </p:txBody>
+      </p:sp>
+      <p:pic>
+        <p:nvPicPr>
+          <p:cNvPr id="2" name="Picture 1">
+            <a:extLst>
+              <a:ext uri="{FF2B5EF4-FFF2-40B4-BE49-F238E27FC236}">
+                <a16:creationId xmlns:a16="http://schemas.microsoft.com/office/drawing/2014/main" id="{42CC27E5-BC8F-8E43-B73B-AFF755DC5026}"/>
+              </a:ext>
+            </a:extLst>
+          </p:cNvPr>
+          <p:cNvPicPr>
+            <a:picLocks noChangeAspect="1"/>
+          </p:cNvPicPr>
+          <p:nvPr/>
+        </p:nvPicPr>
+        <p:blipFill>
+          <a:blip r:embed="rId3"/>
+          <a:stretch>
+            <a:fillRect/>
+          </a:stretch>
+        </p:blipFill>
+        <p:spPr>
+          <a:xfrm>
+            <a:off x="2116281" y="2744930"/>
+            <a:ext cx="4880264" cy="3238721"/>
+          </a:xfrm>
+          <a:prstGeom prst="rect">
+            <a:avLst/>
+          </a:prstGeom>
+        </p:spPr>
+      </p:pic>
     </p:spTree>
   </p:cSld>
   <p:clrMapOvr>
